--- a/docs/cna/CVE_Counting_Rules_Training.pptx
+++ b/docs/cna/CVE_Counting_Rules_Training.pptx
@@ -197,6 +197,351 @@
     </p:extLst>
   </p:cmAuthor>
 </p:cmAuthorLst>
+</file>
+
+<file path=ppt/revisionInfo.xml><?xml version="1.0" encoding="utf-8"?>
+<p1510:revInfo xmlns:a="http://schemas.openxmlformats.org/drawingml/2006/main" xmlns:r="http://schemas.openxmlformats.org/officeDocument/2006/relationships" xmlns:p1510="http://schemas.microsoft.com/office/powerpoint/2015/10/main">
+  <p1510:revLst>
+    <p1510:client id="{797DF943-3F37-478D-A279-4F3F1C9155ED}" v="1" dt="2019-02-14T18:02:48.401"/>
+  </p1510:revLst>
+</p1510:revInfo>
+</file>
+
+<file path=ppt/changesInfos/changesInfo1.xml><?xml version="1.0" encoding="utf-8"?>
+<pc:chgInfo xmlns:a="http://schemas.openxmlformats.org/drawingml/2006/main" xmlns:r="http://schemas.openxmlformats.org/officeDocument/2006/relationships" xmlns:ac="http://schemas.microsoft.com/office/drawing/2013/main/command" xmlns:pc="http://schemas.microsoft.com/office/powerpoint/2013/main/command">
+  <pc:docChgLst>
+    <pc:chgData name="Robert Roberge" userId="7d3ba1ecd22967b8" providerId="LiveId" clId="{797DF943-3F37-478D-A279-4F3F1C9155ED}"/>
+    <pc:docChg chg="undo modSld">
+      <pc:chgData name="Robert Roberge" userId="7d3ba1ecd22967b8" providerId="LiveId" clId="{797DF943-3F37-478D-A279-4F3F1C9155ED}" dt="2019-02-14T18:02:51.297" v="41" actId="1076"/>
+      <pc:docMkLst>
+        <pc:docMk/>
+      </pc:docMkLst>
+      <pc:sldChg chg="modSp">
+        <pc:chgData name="Robert Roberge" userId="7d3ba1ecd22967b8" providerId="LiveId" clId="{797DF943-3F37-478D-A279-4F3F1C9155ED}" dt="2019-02-14T17:53:51.971" v="1" actId="114"/>
+        <pc:sldMkLst>
+          <pc:docMk/>
+          <pc:sldMk cId="2977080541" sldId="258"/>
+        </pc:sldMkLst>
+        <pc:spChg chg="mod">
+          <ac:chgData name="Robert Roberge" userId="7d3ba1ecd22967b8" providerId="LiveId" clId="{797DF943-3F37-478D-A279-4F3F1C9155ED}" dt="2019-02-14T17:53:51.971" v="1" actId="114"/>
+          <ac:spMkLst>
+            <pc:docMk/>
+            <pc:sldMk cId="2977080541" sldId="258"/>
+            <ac:spMk id="2" creationId="{00000000-0000-0000-0000-000000000000}"/>
+          </ac:spMkLst>
+        </pc:spChg>
+      </pc:sldChg>
+      <pc:sldChg chg="modSp">
+        <pc:chgData name="Robert Roberge" userId="7d3ba1ecd22967b8" providerId="LiveId" clId="{797DF943-3F37-478D-A279-4F3F1C9155ED}" dt="2019-02-14T17:54:37.485" v="22" actId="20577"/>
+        <pc:sldMkLst>
+          <pc:docMk/>
+          <pc:sldMk cId="3014522162" sldId="260"/>
+        </pc:sldMkLst>
+        <pc:spChg chg="mod">
+          <ac:chgData name="Robert Roberge" userId="7d3ba1ecd22967b8" providerId="LiveId" clId="{797DF943-3F37-478D-A279-4F3F1C9155ED}" dt="2019-02-14T17:54:37.485" v="22" actId="20577"/>
+          <ac:spMkLst>
+            <pc:docMk/>
+            <pc:sldMk cId="3014522162" sldId="260"/>
+            <ac:spMk id="3" creationId="{00000000-0000-0000-0000-000000000000}"/>
+          </ac:spMkLst>
+        </pc:spChg>
+      </pc:sldChg>
+      <pc:sldChg chg="modSp">
+        <pc:chgData name="Robert Roberge" userId="7d3ba1ecd22967b8" providerId="LiveId" clId="{797DF943-3F37-478D-A279-4F3F1C9155ED}" dt="2019-02-14T17:59:54.358" v="29" actId="20577"/>
+        <pc:sldMkLst>
+          <pc:docMk/>
+          <pc:sldMk cId="2636644582" sldId="272"/>
+        </pc:sldMkLst>
+        <pc:spChg chg="mod">
+          <ac:chgData name="Robert Roberge" userId="7d3ba1ecd22967b8" providerId="LiveId" clId="{797DF943-3F37-478D-A279-4F3F1C9155ED}" dt="2019-02-14T17:59:54.358" v="29" actId="20577"/>
+          <ac:spMkLst>
+            <pc:docMk/>
+            <pc:sldMk cId="2636644582" sldId="272"/>
+            <ac:spMk id="5" creationId="{00000000-0000-0000-0000-000000000000}"/>
+          </ac:spMkLst>
+        </pc:spChg>
+      </pc:sldChg>
+      <pc:sldChg chg="modSp">
+        <pc:chgData name="Robert Roberge" userId="7d3ba1ecd22967b8" providerId="LiveId" clId="{797DF943-3F37-478D-A279-4F3F1C9155ED}" dt="2019-02-14T17:59:01.432" v="28" actId="20577"/>
+        <pc:sldMkLst>
+          <pc:docMk/>
+          <pc:sldMk cId="1533754021" sldId="278"/>
+        </pc:sldMkLst>
+        <pc:spChg chg="mod">
+          <ac:chgData name="Robert Roberge" userId="7d3ba1ecd22967b8" providerId="LiveId" clId="{797DF943-3F37-478D-A279-4F3F1C9155ED}" dt="2019-02-14T17:59:01.432" v="28" actId="20577"/>
+          <ac:spMkLst>
+            <pc:docMk/>
+            <pc:sldMk cId="1533754021" sldId="278"/>
+            <ac:spMk id="3" creationId="{00000000-0000-0000-0000-000000000000}"/>
+          </ac:spMkLst>
+        </pc:spChg>
+      </pc:sldChg>
+      <pc:sldChg chg="modSp">
+        <pc:chgData name="Robert Roberge" userId="7d3ba1ecd22967b8" providerId="LiveId" clId="{797DF943-3F37-478D-A279-4F3F1C9155ED}" dt="2019-02-14T18:00:30.374" v="31" actId="20577"/>
+        <pc:sldMkLst>
+          <pc:docMk/>
+          <pc:sldMk cId="334007055" sldId="281"/>
+        </pc:sldMkLst>
+        <pc:spChg chg="mod">
+          <ac:chgData name="Robert Roberge" userId="7d3ba1ecd22967b8" providerId="LiveId" clId="{797DF943-3F37-478D-A279-4F3F1C9155ED}" dt="2019-02-14T18:00:30.374" v="31" actId="20577"/>
+          <ac:spMkLst>
+            <pc:docMk/>
+            <pc:sldMk cId="334007055" sldId="281"/>
+            <ac:spMk id="5" creationId="{00000000-0000-0000-0000-000000000000}"/>
+          </ac:spMkLst>
+        </pc:spChg>
+      </pc:sldChg>
+      <pc:sldChg chg="modSp">
+        <pc:chgData name="Robert Roberge" userId="7d3ba1ecd22967b8" providerId="LiveId" clId="{797DF943-3F37-478D-A279-4F3F1C9155ED}" dt="2019-02-14T18:01:33.431" v="33" actId="1076"/>
+        <pc:sldMkLst>
+          <pc:docMk/>
+          <pc:sldMk cId="2089975733" sldId="296"/>
+        </pc:sldMkLst>
+        <pc:graphicFrameChg chg="modGraphic">
+          <ac:chgData name="Robert Roberge" userId="7d3ba1ecd22967b8" providerId="LiveId" clId="{797DF943-3F37-478D-A279-4F3F1C9155ED}" dt="2019-02-14T18:01:16.786" v="32" actId="20577"/>
+          <ac:graphicFrameMkLst>
+            <pc:docMk/>
+            <pc:sldMk cId="2089975733" sldId="296"/>
+            <ac:graphicFrameMk id="4" creationId="{00000000-0000-0000-0000-000000000000}"/>
+          </ac:graphicFrameMkLst>
+        </pc:graphicFrameChg>
+        <pc:picChg chg="mod">
+          <ac:chgData name="Robert Roberge" userId="7d3ba1ecd22967b8" providerId="LiveId" clId="{797DF943-3F37-478D-A279-4F3F1C9155ED}" dt="2019-02-14T18:01:33.431" v="33" actId="1076"/>
+          <ac:picMkLst>
+            <pc:docMk/>
+            <pc:sldMk cId="2089975733" sldId="296"/>
+            <ac:picMk id="3" creationId="{00000000-0000-0000-0000-000000000000}"/>
+          </ac:picMkLst>
+        </pc:picChg>
+      </pc:sldChg>
+      <pc:sldChg chg="modSp">
+        <pc:chgData name="Robert Roberge" userId="7d3ba1ecd22967b8" providerId="LiveId" clId="{797DF943-3F37-478D-A279-4F3F1C9155ED}" dt="2019-02-14T18:01:42.955" v="34" actId="20577"/>
+        <pc:sldMkLst>
+          <pc:docMk/>
+          <pc:sldMk cId="2432397276" sldId="297"/>
+        </pc:sldMkLst>
+        <pc:spChg chg="mod">
+          <ac:chgData name="Robert Roberge" userId="7d3ba1ecd22967b8" providerId="LiveId" clId="{797DF943-3F37-478D-A279-4F3F1C9155ED}" dt="2019-02-14T18:01:42.955" v="34" actId="20577"/>
+          <ac:spMkLst>
+            <pc:docMk/>
+            <pc:sldMk cId="2432397276" sldId="297"/>
+            <ac:spMk id="2" creationId="{00000000-0000-0000-0000-000000000000}"/>
+          </ac:spMkLst>
+        </pc:spChg>
+      </pc:sldChg>
+      <pc:sldChg chg="modSp">
+        <pc:chgData name="Robert Roberge" userId="7d3ba1ecd22967b8" providerId="LiveId" clId="{797DF943-3F37-478D-A279-4F3F1C9155ED}" dt="2019-02-14T18:01:51.999" v="35" actId="20577"/>
+        <pc:sldMkLst>
+          <pc:docMk/>
+          <pc:sldMk cId="841502240" sldId="299"/>
+        </pc:sldMkLst>
+        <pc:spChg chg="mod">
+          <ac:chgData name="Robert Roberge" userId="7d3ba1ecd22967b8" providerId="LiveId" clId="{797DF943-3F37-478D-A279-4F3F1C9155ED}" dt="2019-02-14T18:01:51.999" v="35" actId="20577"/>
+          <ac:spMkLst>
+            <pc:docMk/>
+            <pc:sldMk cId="841502240" sldId="299"/>
+            <ac:spMk id="5" creationId="{00000000-0000-0000-0000-000000000000}"/>
+          </ac:spMkLst>
+        </pc:spChg>
+      </pc:sldChg>
+      <pc:sldChg chg="modSp">
+        <pc:chgData name="Robert Roberge" userId="7d3ba1ecd22967b8" providerId="LiveId" clId="{797DF943-3F37-478D-A279-4F3F1C9155ED}" dt="2019-02-14T18:02:21.445" v="38" actId="1076"/>
+        <pc:sldMkLst>
+          <pc:docMk/>
+          <pc:sldMk cId="2656664161" sldId="300"/>
+        </pc:sldMkLst>
+        <pc:spChg chg="mod">
+          <ac:chgData name="Robert Roberge" userId="7d3ba1ecd22967b8" providerId="LiveId" clId="{797DF943-3F37-478D-A279-4F3F1C9155ED}" dt="2019-02-14T18:02:06.348" v="36" actId="1076"/>
+          <ac:spMkLst>
+            <pc:docMk/>
+            <pc:sldMk cId="2656664161" sldId="300"/>
+            <ac:spMk id="6" creationId="{00000000-0000-0000-0000-000000000000}"/>
+          </ac:spMkLst>
+        </pc:spChg>
+        <pc:picChg chg="mod">
+          <ac:chgData name="Robert Roberge" userId="7d3ba1ecd22967b8" providerId="LiveId" clId="{797DF943-3F37-478D-A279-4F3F1C9155ED}" dt="2019-02-14T18:02:21.445" v="38" actId="1076"/>
+          <ac:picMkLst>
+            <pc:docMk/>
+            <pc:sldMk cId="2656664161" sldId="300"/>
+            <ac:picMk id="3" creationId="{00000000-0000-0000-0000-000000000000}"/>
+          </ac:picMkLst>
+        </pc:picChg>
+      </pc:sldChg>
+      <pc:sldChg chg="addSp modSp">
+        <pc:chgData name="Robert Roberge" userId="7d3ba1ecd22967b8" providerId="LiveId" clId="{797DF943-3F37-478D-A279-4F3F1C9155ED}" dt="2019-02-14T18:02:51.297" v="41" actId="1076"/>
+        <pc:sldMkLst>
+          <pc:docMk/>
+          <pc:sldMk cId="3354874103" sldId="303"/>
+        </pc:sldMkLst>
+        <pc:spChg chg="mod">
+          <ac:chgData name="Robert Roberge" userId="7d3ba1ecd22967b8" providerId="LiveId" clId="{797DF943-3F37-478D-A279-4F3F1C9155ED}" dt="2019-02-14T18:02:48.400" v="40" actId="164"/>
+          <ac:spMkLst>
+            <pc:docMk/>
+            <pc:sldMk cId="3354874103" sldId="303"/>
+            <ac:spMk id="4" creationId="{00000000-0000-0000-0000-000000000000}"/>
+          </ac:spMkLst>
+        </pc:spChg>
+        <pc:spChg chg="mod">
+          <ac:chgData name="Robert Roberge" userId="7d3ba1ecd22967b8" providerId="LiveId" clId="{797DF943-3F37-478D-A279-4F3F1C9155ED}" dt="2019-02-14T18:02:48.400" v="40" actId="164"/>
+          <ac:spMkLst>
+            <pc:docMk/>
+            <pc:sldMk cId="3354874103" sldId="303"/>
+            <ac:spMk id="5" creationId="{00000000-0000-0000-0000-000000000000}"/>
+          </ac:spMkLst>
+        </pc:spChg>
+        <pc:spChg chg="mod">
+          <ac:chgData name="Robert Roberge" userId="7d3ba1ecd22967b8" providerId="LiveId" clId="{797DF943-3F37-478D-A279-4F3F1C9155ED}" dt="2019-02-14T18:02:48.400" v="40" actId="164"/>
+          <ac:spMkLst>
+            <pc:docMk/>
+            <pc:sldMk cId="3354874103" sldId="303"/>
+            <ac:spMk id="8" creationId="{00000000-0000-0000-0000-000000000000}"/>
+          </ac:spMkLst>
+        </pc:spChg>
+        <pc:spChg chg="mod">
+          <ac:chgData name="Robert Roberge" userId="7d3ba1ecd22967b8" providerId="LiveId" clId="{797DF943-3F37-478D-A279-4F3F1C9155ED}" dt="2019-02-14T18:02:48.400" v="40" actId="164"/>
+          <ac:spMkLst>
+            <pc:docMk/>
+            <pc:sldMk cId="3354874103" sldId="303"/>
+            <ac:spMk id="10" creationId="{00000000-0000-0000-0000-000000000000}"/>
+          </ac:spMkLst>
+        </pc:spChg>
+        <pc:spChg chg="mod">
+          <ac:chgData name="Robert Roberge" userId="7d3ba1ecd22967b8" providerId="LiveId" clId="{797DF943-3F37-478D-A279-4F3F1C9155ED}" dt="2019-02-14T18:02:48.400" v="40" actId="164"/>
+          <ac:spMkLst>
+            <pc:docMk/>
+            <pc:sldMk cId="3354874103" sldId="303"/>
+            <ac:spMk id="11" creationId="{00000000-0000-0000-0000-000000000000}"/>
+          </ac:spMkLst>
+        </pc:spChg>
+        <pc:spChg chg="mod">
+          <ac:chgData name="Robert Roberge" userId="7d3ba1ecd22967b8" providerId="LiveId" clId="{797DF943-3F37-478D-A279-4F3F1C9155ED}" dt="2019-02-14T18:02:48.400" v="40" actId="164"/>
+          <ac:spMkLst>
+            <pc:docMk/>
+            <pc:sldMk cId="3354874103" sldId="303"/>
+            <ac:spMk id="12" creationId="{00000000-0000-0000-0000-000000000000}"/>
+          </ac:spMkLst>
+        </pc:spChg>
+        <pc:spChg chg="mod">
+          <ac:chgData name="Robert Roberge" userId="7d3ba1ecd22967b8" providerId="LiveId" clId="{797DF943-3F37-478D-A279-4F3F1C9155ED}" dt="2019-02-14T18:02:48.400" v="40" actId="164"/>
+          <ac:spMkLst>
+            <pc:docMk/>
+            <pc:sldMk cId="3354874103" sldId="303"/>
+            <ac:spMk id="14" creationId="{00000000-0000-0000-0000-000000000000}"/>
+          </ac:spMkLst>
+        </pc:spChg>
+        <pc:spChg chg="mod">
+          <ac:chgData name="Robert Roberge" userId="7d3ba1ecd22967b8" providerId="LiveId" clId="{797DF943-3F37-478D-A279-4F3F1C9155ED}" dt="2019-02-14T18:02:48.400" v="40" actId="164"/>
+          <ac:spMkLst>
+            <pc:docMk/>
+            <pc:sldMk cId="3354874103" sldId="303"/>
+            <ac:spMk id="15" creationId="{00000000-0000-0000-0000-000000000000}"/>
+          </ac:spMkLst>
+        </pc:spChg>
+        <pc:spChg chg="mod">
+          <ac:chgData name="Robert Roberge" userId="7d3ba1ecd22967b8" providerId="LiveId" clId="{797DF943-3F37-478D-A279-4F3F1C9155ED}" dt="2019-02-14T18:02:48.400" v="40" actId="164"/>
+          <ac:spMkLst>
+            <pc:docMk/>
+            <pc:sldMk cId="3354874103" sldId="303"/>
+            <ac:spMk id="16" creationId="{00000000-0000-0000-0000-000000000000}"/>
+          </ac:spMkLst>
+        </pc:spChg>
+        <pc:grpChg chg="add mod">
+          <ac:chgData name="Robert Roberge" userId="7d3ba1ecd22967b8" providerId="LiveId" clId="{797DF943-3F37-478D-A279-4F3F1C9155ED}" dt="2019-02-14T18:02:51.297" v="41" actId="1076"/>
+          <ac:grpSpMkLst>
+            <pc:docMk/>
+            <pc:sldMk cId="3354874103" sldId="303"/>
+            <ac:grpSpMk id="9" creationId="{D6F28D0F-2D97-410F-B227-9AD28DF00F45}"/>
+          </ac:grpSpMkLst>
+        </pc:grpChg>
+        <pc:grpChg chg="mod">
+          <ac:chgData name="Robert Roberge" userId="7d3ba1ecd22967b8" providerId="LiveId" clId="{797DF943-3F37-478D-A279-4F3F1C9155ED}" dt="2019-02-14T18:02:48.400" v="40" actId="164"/>
+          <ac:grpSpMkLst>
+            <pc:docMk/>
+            <pc:sldMk cId="3354874103" sldId="303"/>
+            <ac:grpSpMk id="18" creationId="{00000000-0000-0000-0000-000000000000}"/>
+          </ac:grpSpMkLst>
+        </pc:grpChg>
+        <pc:grpChg chg="mod">
+          <ac:chgData name="Robert Roberge" userId="7d3ba1ecd22967b8" providerId="LiveId" clId="{797DF943-3F37-478D-A279-4F3F1C9155ED}" dt="2019-02-14T18:02:48.400" v="40" actId="164"/>
+          <ac:grpSpMkLst>
+            <pc:docMk/>
+            <pc:sldMk cId="3354874103" sldId="303"/>
+            <ac:grpSpMk id="19" creationId="{00000000-0000-0000-0000-000000000000}"/>
+          </ac:grpSpMkLst>
+        </pc:grpChg>
+        <pc:grpChg chg="mod">
+          <ac:chgData name="Robert Roberge" userId="7d3ba1ecd22967b8" providerId="LiveId" clId="{797DF943-3F37-478D-A279-4F3F1C9155ED}" dt="2019-02-14T18:02:48.400" v="40" actId="164"/>
+          <ac:grpSpMkLst>
+            <pc:docMk/>
+            <pc:sldMk cId="3354874103" sldId="303"/>
+            <ac:grpSpMk id="20" creationId="{00000000-0000-0000-0000-000000000000}"/>
+          </ac:grpSpMkLst>
+        </pc:grpChg>
+        <pc:cxnChg chg="mod">
+          <ac:chgData name="Robert Roberge" userId="7d3ba1ecd22967b8" providerId="LiveId" clId="{797DF943-3F37-478D-A279-4F3F1C9155ED}" dt="2019-02-14T18:02:48.400" v="40" actId="164"/>
+          <ac:cxnSpMkLst>
+            <pc:docMk/>
+            <pc:sldMk cId="3354874103" sldId="303"/>
+            <ac:cxnSpMk id="24" creationId="{00000000-0000-0000-0000-000000000000}"/>
+          </ac:cxnSpMkLst>
+        </pc:cxnChg>
+        <pc:cxnChg chg="mod">
+          <ac:chgData name="Robert Roberge" userId="7d3ba1ecd22967b8" providerId="LiveId" clId="{797DF943-3F37-478D-A279-4F3F1C9155ED}" dt="2019-02-14T18:02:48.400" v="40" actId="164"/>
+          <ac:cxnSpMkLst>
+            <pc:docMk/>
+            <pc:sldMk cId="3354874103" sldId="303"/>
+            <ac:cxnSpMk id="26" creationId="{00000000-0000-0000-0000-000000000000}"/>
+          </ac:cxnSpMkLst>
+        </pc:cxnChg>
+      </pc:sldChg>
+      <pc:sldChg chg="modSp">
+        <pc:chgData name="Robert Roberge" userId="7d3ba1ecd22967b8" providerId="LiveId" clId="{797DF943-3F37-478D-A279-4F3F1C9155ED}" dt="2019-02-14T18:02:39.288" v="39" actId="1076"/>
+        <pc:sldMkLst>
+          <pc:docMk/>
+          <pc:sldMk cId="1060317620" sldId="304"/>
+        </pc:sldMkLst>
+        <pc:grpChg chg="mod">
+          <ac:chgData name="Robert Roberge" userId="7d3ba1ecd22967b8" providerId="LiveId" clId="{797DF943-3F37-478D-A279-4F3F1C9155ED}" dt="2019-02-14T18:02:39.288" v="39" actId="1076"/>
+          <ac:grpSpMkLst>
+            <pc:docMk/>
+            <pc:sldMk cId="1060317620" sldId="304"/>
+            <ac:grpSpMk id="9" creationId="{B404771B-0789-41D8-AB0F-1D47E37D13F1}"/>
+          </ac:grpSpMkLst>
+        </pc:grpChg>
+      </pc:sldChg>
+      <pc:sldChg chg="modSp">
+        <pc:chgData name="Robert Roberge" userId="7d3ba1ecd22967b8" providerId="LiveId" clId="{797DF943-3F37-478D-A279-4F3F1C9155ED}" dt="2019-02-14T17:55:02.210" v="27" actId="20577"/>
+        <pc:sldMkLst>
+          <pc:docMk/>
+          <pc:sldMk cId="2919158606" sldId="305"/>
+        </pc:sldMkLst>
+        <pc:spChg chg="mod">
+          <ac:chgData name="Robert Roberge" userId="7d3ba1ecd22967b8" providerId="LiveId" clId="{797DF943-3F37-478D-A279-4F3F1C9155ED}" dt="2019-02-14T17:55:02.210" v="27" actId="20577"/>
+          <ac:spMkLst>
+            <pc:docMk/>
+            <pc:sldMk cId="2919158606" sldId="305"/>
+            <ac:spMk id="5" creationId="{373FFE50-4475-4C4A-B0D4-8E57F54F97CE}"/>
+          </ac:spMkLst>
+        </pc:spChg>
+      </pc:sldChg>
+      <pc:sldChg chg="modSp">
+        <pc:chgData name="Robert Roberge" userId="7d3ba1ecd22967b8" providerId="LiveId" clId="{797DF943-3F37-478D-A279-4F3F1C9155ED}" dt="2019-02-14T18:00:00.988" v="30" actId="20577"/>
+        <pc:sldMkLst>
+          <pc:docMk/>
+          <pc:sldMk cId="1498538846" sldId="311"/>
+        </pc:sldMkLst>
+        <pc:spChg chg="mod">
+          <ac:chgData name="Robert Roberge" userId="7d3ba1ecd22967b8" providerId="LiveId" clId="{797DF943-3F37-478D-A279-4F3F1C9155ED}" dt="2019-02-14T18:00:00.988" v="30" actId="20577"/>
+          <ac:spMkLst>
+            <pc:docMk/>
+            <pc:sldMk cId="1498538846" sldId="311"/>
+            <ac:spMk id="2" creationId="{52F75396-BAD7-403C-9292-0EB653C74EF0}"/>
+          </ac:spMkLst>
+        </pc:spChg>
+      </pc:sldChg>
+    </pc:docChg>
+  </pc:docChgLst>
+</pc:chgInfo>
 </file>
 
 <file path=ppt/diagrams/colors1.xml><?xml version="1.0" encoding="utf-8"?>
@@ -6957,7 +7302,7 @@
           <a:p>
             <a:fld id="{C48A5AB8-C75E-4242-AC76-9DAE875A82E7}" type="datetimeFigureOut">
               <a:rPr lang="en-US" smtClean="0"/>
-              <a:t>2/6/2019</a:t>
+              <a:t>2/14/2019</a:t>
             </a:fld>
             <a:endParaRPr lang="en-US"/>
           </a:p>
@@ -14962,7 +15307,7 @@
           <a:p>
             <a:r>
               <a:rPr lang="en-US" dirty="0"/>
-              <a:t>CNT1 Example 1</a:t>
+              <a:t>CNT1: Example 1</a:t>
             </a:r>
           </a:p>
         </p:txBody>
@@ -17001,7 +17346,7 @@
           <a:p>
             <a:r>
               <a:rPr lang="en-US" dirty="0"/>
-              <a:t>CNT1 Example 1 (concluded)</a:t>
+              <a:t>CNT1: Example 1 (concluded)</a:t>
             </a:r>
           </a:p>
         </p:txBody>
@@ -20020,7 +20365,7 @@
             <a:pPr lvl="1"/>
             <a:r>
               <a:rPr lang="en-US" dirty="0"/>
-              <a:t>Fixes C (Insufficient Memory Allocation), which prevents the heap overflow.</a:t>
+              <a:t>Fixes C (Insufficient Memory Allocation), which prevents the heap overflow</a:t>
             </a:r>
           </a:p>
           <a:p>
@@ -21946,7 +22291,7 @@
           <a:p>
             <a:r>
               <a:rPr lang="en-US" dirty="0"/>
-              <a:t>CNT2.1 Process</a:t>
+              <a:t>CNT2.1: Process</a:t>
             </a:r>
           </a:p>
         </p:txBody>
@@ -25977,7 +26322,7 @@
           <a:p>
             <a:r>
               <a:rPr lang="en-US" dirty="0"/>
-              <a:t>Is there an established method to count vulnerabilities?</a:t>
+              <a:t>Is There an Established Method to Count Vulnerabilities?</a:t>
             </a:r>
           </a:p>
         </p:txBody>
@@ -26109,7 +26454,7 @@
             <p:ph idx="1"/>
             <p:extLst>
               <p:ext uri="{D42A27DB-BD31-4B8C-83A1-F6EECF244321}">
-                <p14:modId xmlns:p14="http://schemas.microsoft.com/office/powerpoint/2010/main" val="1508252071"/>
+                <p14:modId xmlns:p14="http://schemas.microsoft.com/office/powerpoint/2010/main" val="2208430763"/>
               </p:ext>
             </p:extLst>
           </p:nvPr>
@@ -26158,7 +26503,7 @@
                         <a:rPr lang="en-US" sz="1000" dirty="0">
                           <a:effectLst/>
                         </a:rPr>
-                        <a:t>  INC3</a:t>
+                        <a:t>   INC3</a:t>
                       </a:r>
                       <a:endParaRPr lang="en-US" sz="1000" dirty="0">
                         <a:effectLst/>
@@ -26349,7 +26694,7 @@
         </p:blipFill>
         <p:spPr>
           <a:xfrm>
-            <a:off x="609600" y="2482506"/>
+            <a:off x="857250" y="2317710"/>
             <a:ext cx="2928836" cy="3010284"/>
           </a:xfrm>
           <a:prstGeom prst="rect">
@@ -26404,7 +26749,7 @@
           <a:p>
             <a:r>
               <a:rPr lang="en-US" dirty="0"/>
-              <a:t>INC3 Exclusions </a:t>
+              <a:t>INC3: Exclusions </a:t>
             </a:r>
           </a:p>
         </p:txBody>
@@ -26788,7 +27133,7 @@
           <a:p>
             <a:r>
               <a:rPr lang="en-US" dirty="0"/>
-              <a:t>INC4 Exclusions</a:t>
+              <a:t>INC4: Exclusions</a:t>
             </a:r>
           </a:p>
         </p:txBody>
@@ -27103,7 +27448,7 @@
         </p:nvSpPr>
         <p:spPr>
           <a:xfrm>
-            <a:off x="4325112" y="2290015"/>
+            <a:off x="4629912" y="2272902"/>
             <a:ext cx="4514088" cy="3085658"/>
           </a:xfrm>
         </p:spPr>
@@ -27167,7 +27512,7 @@
         </p:blipFill>
         <p:spPr>
           <a:xfrm>
-            <a:off x="609601" y="2290012"/>
+            <a:off x="752475" y="2272902"/>
             <a:ext cx="3607340" cy="2555330"/>
           </a:xfrm>
           <a:prstGeom prst="rect">
@@ -27558,583 +27903,29 @@
           </a:p>
         </p:txBody>
       </p:sp>
-      <p:sp>
-        <p:nvSpPr>
-          <p:cNvPr id="4" name="Text Box 3"/>
-          <p:cNvSpPr txBox="1">
-            <a:spLocks noChangeArrowheads="1"/>
-          </p:cNvSpPr>
-          <p:nvPr/>
-        </p:nvSpPr>
-        <p:spPr bwMode="auto">
-          <a:xfrm>
-            <a:off x="4044299" y="2633235"/>
-            <a:ext cx="867545" cy="507831"/>
-          </a:xfrm>
-          <a:prstGeom prst="rect">
-            <a:avLst/>
-          </a:prstGeom>
-          <a:noFill/>
-          <a:ln w="19050">
-            <a:solidFill>
-              <a:schemeClr val="tx1"/>
-            </a:solidFill>
-            <a:miter lim="800000"/>
-            <a:headEnd/>
-            <a:tailEnd/>
-          </a:ln>
-          <a:effectLst/>
-        </p:spPr>
-        <p:txBody>
-          <a:bodyPr wrap="none">
-            <a:spAutoFit/>
-          </a:bodyPr>
-          <a:lstStyle/>
-          <a:p>
-            <a:pPr algn="ctr" defTabSz="685766">
-              <a:defRPr/>
-            </a:pPr>
-            <a:r>
-              <a:rPr lang="en-US" sz="1350" kern="0">
-                <a:solidFill>
-                  <a:sysClr val="windowText" lastClr="000000"/>
-                </a:solidFill>
-                <a:effectLst>
-                  <a:outerShdw blurRad="38100" dist="38100" dir="2700000" algn="tl">
-                    <a:srgbClr val="C0C0C0"/>
-                  </a:outerShdw>
-                </a:effectLst>
-              </a:rPr>
-              <a:t>Integer</a:t>
-            </a:r>
-          </a:p>
-          <a:p>
-            <a:pPr algn="ctr" defTabSz="685766">
-              <a:defRPr/>
-            </a:pPr>
-            <a:r>
-              <a:rPr lang="en-US" sz="1350" kern="0">
-                <a:solidFill>
-                  <a:sysClr val="windowText" lastClr="000000"/>
-                </a:solidFill>
-                <a:effectLst>
-                  <a:outerShdw blurRad="38100" dist="38100" dir="2700000" algn="tl">
-                    <a:srgbClr val="C0C0C0"/>
-                  </a:outerShdw>
-                </a:effectLst>
-              </a:rPr>
-              <a:t>Overflow</a:t>
-            </a:r>
-          </a:p>
-        </p:txBody>
-      </p:sp>
-      <p:sp>
-        <p:nvSpPr>
-          <p:cNvPr id="5" name="Text Box 4"/>
-          <p:cNvSpPr txBox="1">
-            <a:spLocks noChangeArrowheads="1"/>
-          </p:cNvSpPr>
-          <p:nvPr/>
-        </p:nvSpPr>
-        <p:spPr bwMode="auto">
-          <a:xfrm>
-            <a:off x="2798954" y="2582035"/>
-            <a:ext cx="857928" cy="715581"/>
-          </a:xfrm>
-          <a:prstGeom prst="rect">
-            <a:avLst/>
-          </a:prstGeom>
-          <a:noFill/>
-          <a:ln w="19050">
-            <a:solidFill>
-              <a:schemeClr val="tx1"/>
-            </a:solidFill>
-            <a:miter lim="800000"/>
-            <a:headEnd/>
-            <a:tailEnd/>
-          </a:ln>
-          <a:effectLst/>
-        </p:spPr>
-        <p:txBody>
-          <a:bodyPr wrap="none">
-            <a:spAutoFit/>
-          </a:bodyPr>
-          <a:lstStyle/>
-          <a:p>
-            <a:pPr algn="ctr" defTabSz="685766">
-              <a:defRPr/>
-            </a:pPr>
-            <a:r>
-              <a:rPr lang="en-US" sz="1350" kern="0">
-                <a:solidFill>
-                  <a:sysClr val="windowText" lastClr="000000"/>
-                </a:solidFill>
-                <a:effectLst>
-                  <a:outerShdw blurRad="38100" dist="38100" dir="2700000" algn="tl">
-                    <a:srgbClr val="C0C0C0"/>
-                  </a:outerShdw>
-                </a:effectLst>
-              </a:rPr>
-              <a:t>Incorrect</a:t>
-            </a:r>
-          </a:p>
-          <a:p>
-            <a:pPr algn="ctr" defTabSz="685766">
-              <a:defRPr/>
-            </a:pPr>
-            <a:r>
-              <a:rPr lang="en-US" sz="1350" kern="0">
-                <a:solidFill>
-                  <a:sysClr val="windowText" lastClr="000000"/>
-                </a:solidFill>
-                <a:effectLst>
-                  <a:outerShdw blurRad="38100" dist="38100" dir="2700000" algn="tl">
-                    <a:srgbClr val="C0C0C0"/>
-                  </a:outerShdw>
-                </a:effectLst>
-              </a:rPr>
-              <a:t>Range</a:t>
-            </a:r>
-          </a:p>
-          <a:p>
-            <a:pPr algn="ctr" defTabSz="685766">
-              <a:defRPr/>
-            </a:pPr>
-            <a:r>
-              <a:rPr lang="en-US" sz="1350" kern="0">
-                <a:solidFill>
-                  <a:sysClr val="windowText" lastClr="000000"/>
-                </a:solidFill>
-                <a:effectLst>
-                  <a:outerShdw blurRad="38100" dist="38100" dir="2700000" algn="tl">
-                    <a:srgbClr val="C0C0C0"/>
-                  </a:outerShdw>
-                </a:effectLst>
-              </a:rPr>
-              <a:t>Check</a:t>
-            </a:r>
-          </a:p>
-        </p:txBody>
-      </p:sp>
-      <p:sp>
-        <p:nvSpPr>
-          <p:cNvPr id="8" name="Line 7"/>
-          <p:cNvSpPr>
-            <a:spLocks noChangeShapeType="1"/>
-          </p:cNvSpPr>
-          <p:nvPr/>
-        </p:nvSpPr>
-        <p:spPr bwMode="auto">
-          <a:xfrm flipV="1">
-            <a:off x="2568309" y="2955890"/>
-            <a:ext cx="285750" cy="0"/>
-          </a:xfrm>
-          <a:prstGeom prst="line">
-            <a:avLst/>
-          </a:prstGeom>
-          <a:noFill/>
-          <a:ln w="41275">
-            <a:solidFill>
-              <a:schemeClr val="tx1"/>
-            </a:solidFill>
-            <a:round/>
-            <a:headEnd/>
-            <a:tailEnd type="triangle" w="med" len="med"/>
-          </a:ln>
-          <a:extLst>
-            <a:ext uri="{909E8E84-426E-40DD-AFC4-6F175D3DCCD1}">
-              <a14:hiddenFill xmlns:a14="http://schemas.microsoft.com/office/drawing/2010/main">
-                <a:noFill/>
-              </a14:hiddenFill>
-            </a:ext>
-          </a:extLst>
-        </p:spPr>
-        <p:txBody>
-          <a:bodyPr/>
-          <a:lstStyle/>
-          <a:p>
-            <a:pPr defTabSz="685766">
-              <a:defRPr/>
-            </a:pPr>
-            <a:endParaRPr lang="en-US" sz="1350" kern="0">
-              <a:solidFill>
-                <a:sysClr val="windowText" lastClr="000000"/>
-              </a:solidFill>
-            </a:endParaRPr>
-          </a:p>
-        </p:txBody>
-      </p:sp>
-      <p:sp>
-        <p:nvSpPr>
-          <p:cNvPr id="10" name="Line 9"/>
-          <p:cNvSpPr>
-            <a:spLocks noChangeShapeType="1"/>
-          </p:cNvSpPr>
-          <p:nvPr/>
-        </p:nvSpPr>
-        <p:spPr bwMode="auto">
-          <a:xfrm flipV="1">
-            <a:off x="6624953" y="2404039"/>
-            <a:ext cx="463154" cy="1"/>
-          </a:xfrm>
-          <a:prstGeom prst="line">
-            <a:avLst/>
-          </a:prstGeom>
-          <a:noFill/>
-          <a:ln w="41275">
-            <a:solidFill>
-              <a:schemeClr val="tx1"/>
-            </a:solidFill>
-            <a:round/>
-            <a:headEnd/>
-            <a:tailEnd type="triangle" w="med" len="med"/>
-          </a:ln>
-          <a:extLst>
-            <a:ext uri="{909E8E84-426E-40DD-AFC4-6F175D3DCCD1}">
-              <a14:hiddenFill xmlns:a14="http://schemas.microsoft.com/office/drawing/2010/main">
-                <a:noFill/>
-              </a14:hiddenFill>
-            </a:ext>
-          </a:extLst>
-        </p:spPr>
-        <p:txBody>
-          <a:bodyPr/>
-          <a:lstStyle/>
-          <a:p>
-            <a:pPr defTabSz="685766">
-              <a:defRPr/>
-            </a:pPr>
-            <a:endParaRPr lang="en-US" sz="1350" kern="0">
-              <a:solidFill>
-                <a:sysClr val="windowText" lastClr="000000"/>
-              </a:solidFill>
-            </a:endParaRPr>
-          </a:p>
-        </p:txBody>
-      </p:sp>
-      <p:sp>
-        <p:nvSpPr>
-          <p:cNvPr id="11" name="Text Box 10"/>
-          <p:cNvSpPr txBox="1">
-            <a:spLocks noChangeArrowheads="1"/>
-          </p:cNvSpPr>
-          <p:nvPr/>
-        </p:nvSpPr>
-        <p:spPr bwMode="auto">
-          <a:xfrm>
-            <a:off x="3089253" y="2164720"/>
-            <a:ext cx="324128" cy="323165"/>
-          </a:xfrm>
-          <a:prstGeom prst="rect">
-            <a:avLst/>
-          </a:prstGeom>
-          <a:noFill/>
-          <a:ln>
-            <a:noFill/>
-          </a:ln>
-          <a:extLst>
-            <a:ext uri="{909E8E84-426E-40DD-AFC4-6F175D3DCCD1}">
-              <a14:hiddenFill xmlns:a14="http://schemas.microsoft.com/office/drawing/2010/main">
-                <a:solidFill>
-                  <a:srgbClr val="FFFFFF"/>
-                </a:solidFill>
-              </a14:hiddenFill>
-            </a:ext>
-            <a:ext uri="{91240B29-F687-4F45-9708-019B960494DF}">
-              <a14:hiddenLine xmlns:a14="http://schemas.microsoft.com/office/drawing/2010/main" w="9525">
-                <a:solidFill>
-                  <a:srgbClr val="000000"/>
-                </a:solidFill>
-                <a:miter lim="800000"/>
-                <a:headEnd/>
-                <a:tailEnd/>
-              </a14:hiddenLine>
-            </a:ext>
-          </a:extLst>
-        </p:spPr>
-        <p:txBody>
-          <a:bodyPr wrap="none">
-            <a:spAutoFit/>
-          </a:bodyPr>
-          <a:lstStyle>
-            <a:lvl1pPr>
-              <a:defRPr>
-                <a:solidFill>
-                  <a:schemeClr val="tx1"/>
-                </a:solidFill>
-                <a:latin typeface="Arial" panose="020B0604020202020204" pitchFamily="34" charset="0"/>
-              </a:defRPr>
-            </a:lvl1pPr>
-            <a:lvl2pPr marL="742950" indent="-285750">
-              <a:defRPr>
-                <a:solidFill>
-                  <a:schemeClr val="tx1"/>
-                </a:solidFill>
-                <a:latin typeface="Arial" panose="020B0604020202020204" pitchFamily="34" charset="0"/>
-              </a:defRPr>
-            </a:lvl2pPr>
-            <a:lvl3pPr marL="1143000" indent="-228600">
-              <a:defRPr>
-                <a:solidFill>
-                  <a:schemeClr val="tx1"/>
-                </a:solidFill>
-                <a:latin typeface="Arial" panose="020B0604020202020204" pitchFamily="34" charset="0"/>
-              </a:defRPr>
-            </a:lvl3pPr>
-            <a:lvl4pPr marL="1600200" indent="-228600">
-              <a:defRPr>
-                <a:solidFill>
-                  <a:schemeClr val="tx1"/>
-                </a:solidFill>
-                <a:latin typeface="Arial" panose="020B0604020202020204" pitchFamily="34" charset="0"/>
-              </a:defRPr>
-            </a:lvl4pPr>
-            <a:lvl5pPr marL="2057400" indent="-228600">
-              <a:defRPr>
-                <a:solidFill>
-                  <a:schemeClr val="tx1"/>
-                </a:solidFill>
-                <a:latin typeface="Arial" panose="020B0604020202020204" pitchFamily="34" charset="0"/>
-              </a:defRPr>
-            </a:lvl5pPr>
-            <a:lvl6pPr marL="2514600" indent="-228600" fontAlgn="base">
-              <a:spcBef>
-                <a:spcPct val="0"/>
-              </a:spcBef>
-              <a:spcAft>
-                <a:spcPct val="0"/>
-              </a:spcAft>
-              <a:defRPr>
-                <a:solidFill>
-                  <a:schemeClr val="tx1"/>
-                </a:solidFill>
-                <a:latin typeface="Arial" panose="020B0604020202020204" pitchFamily="34" charset="0"/>
-              </a:defRPr>
-            </a:lvl6pPr>
-            <a:lvl7pPr marL="2971800" indent="-228600" fontAlgn="base">
-              <a:spcBef>
-                <a:spcPct val="0"/>
-              </a:spcBef>
-              <a:spcAft>
-                <a:spcPct val="0"/>
-              </a:spcAft>
-              <a:defRPr>
-                <a:solidFill>
-                  <a:schemeClr val="tx1"/>
-                </a:solidFill>
-                <a:latin typeface="Arial" panose="020B0604020202020204" pitchFamily="34" charset="0"/>
-              </a:defRPr>
-            </a:lvl7pPr>
-            <a:lvl8pPr marL="3429000" indent="-228600" fontAlgn="base">
-              <a:spcBef>
-                <a:spcPct val="0"/>
-              </a:spcBef>
-              <a:spcAft>
-                <a:spcPct val="0"/>
-              </a:spcAft>
-              <a:defRPr>
-                <a:solidFill>
-                  <a:schemeClr val="tx1"/>
-                </a:solidFill>
-                <a:latin typeface="Arial" panose="020B0604020202020204" pitchFamily="34" charset="0"/>
-              </a:defRPr>
-            </a:lvl8pPr>
-            <a:lvl9pPr marL="3886200" indent="-228600" fontAlgn="base">
-              <a:spcBef>
-                <a:spcPct val="0"/>
-              </a:spcBef>
-              <a:spcAft>
-                <a:spcPct val="0"/>
-              </a:spcAft>
-              <a:defRPr>
-                <a:solidFill>
-                  <a:schemeClr val="tx1"/>
-                </a:solidFill>
-                <a:latin typeface="Arial" panose="020B0604020202020204" pitchFamily="34" charset="0"/>
-              </a:defRPr>
-            </a:lvl9pPr>
-          </a:lstStyle>
-          <a:p>
-            <a:pPr defTabSz="685766">
-              <a:defRPr/>
-            </a:pPr>
-            <a:r>
-              <a:rPr lang="en-US" altLang="en-US" sz="1500" b="1" kern="0"/>
-              <a:t>A</a:t>
-            </a:r>
-          </a:p>
-        </p:txBody>
-      </p:sp>
-      <p:sp>
-        <p:nvSpPr>
-          <p:cNvPr id="12" name="Text Box 11"/>
-          <p:cNvSpPr txBox="1">
-            <a:spLocks noChangeArrowheads="1"/>
-          </p:cNvSpPr>
-          <p:nvPr/>
-        </p:nvSpPr>
-        <p:spPr bwMode="auto">
-          <a:xfrm>
-            <a:off x="4307812" y="2164720"/>
-            <a:ext cx="324128" cy="323165"/>
-          </a:xfrm>
-          <a:prstGeom prst="rect">
-            <a:avLst/>
-          </a:prstGeom>
-          <a:noFill/>
-          <a:ln>
-            <a:noFill/>
-          </a:ln>
-          <a:extLst>
-            <a:ext uri="{909E8E84-426E-40DD-AFC4-6F175D3DCCD1}">
-              <a14:hiddenFill xmlns:a14="http://schemas.microsoft.com/office/drawing/2010/main">
-                <a:solidFill>
-                  <a:srgbClr val="FFFFFF"/>
-                </a:solidFill>
-              </a14:hiddenFill>
-            </a:ext>
-            <a:ext uri="{91240B29-F687-4F45-9708-019B960494DF}">
-              <a14:hiddenLine xmlns:a14="http://schemas.microsoft.com/office/drawing/2010/main" w="9525">
-                <a:solidFill>
-                  <a:srgbClr val="000000"/>
-                </a:solidFill>
-                <a:miter lim="800000"/>
-                <a:headEnd/>
-                <a:tailEnd/>
-              </a14:hiddenLine>
-            </a:ext>
-          </a:extLst>
-        </p:spPr>
-        <p:txBody>
-          <a:bodyPr wrap="none">
-            <a:spAutoFit/>
-          </a:bodyPr>
-          <a:lstStyle>
-            <a:lvl1pPr>
-              <a:defRPr>
-                <a:solidFill>
-                  <a:schemeClr val="tx1"/>
-                </a:solidFill>
-                <a:latin typeface="Arial" panose="020B0604020202020204" pitchFamily="34" charset="0"/>
-              </a:defRPr>
-            </a:lvl1pPr>
-            <a:lvl2pPr marL="742950" indent="-285750">
-              <a:defRPr>
-                <a:solidFill>
-                  <a:schemeClr val="tx1"/>
-                </a:solidFill>
-                <a:latin typeface="Arial" panose="020B0604020202020204" pitchFamily="34" charset="0"/>
-              </a:defRPr>
-            </a:lvl2pPr>
-            <a:lvl3pPr marL="1143000" indent="-228600">
-              <a:defRPr>
-                <a:solidFill>
-                  <a:schemeClr val="tx1"/>
-                </a:solidFill>
-                <a:latin typeface="Arial" panose="020B0604020202020204" pitchFamily="34" charset="0"/>
-              </a:defRPr>
-            </a:lvl3pPr>
-            <a:lvl4pPr marL="1600200" indent="-228600">
-              <a:defRPr>
-                <a:solidFill>
-                  <a:schemeClr val="tx1"/>
-                </a:solidFill>
-                <a:latin typeface="Arial" panose="020B0604020202020204" pitchFamily="34" charset="0"/>
-              </a:defRPr>
-            </a:lvl4pPr>
-            <a:lvl5pPr marL="2057400" indent="-228600">
-              <a:defRPr>
-                <a:solidFill>
-                  <a:schemeClr val="tx1"/>
-                </a:solidFill>
-                <a:latin typeface="Arial" panose="020B0604020202020204" pitchFamily="34" charset="0"/>
-              </a:defRPr>
-            </a:lvl5pPr>
-            <a:lvl6pPr marL="2514600" indent="-228600" fontAlgn="base">
-              <a:spcBef>
-                <a:spcPct val="0"/>
-              </a:spcBef>
-              <a:spcAft>
-                <a:spcPct val="0"/>
-              </a:spcAft>
-              <a:defRPr>
-                <a:solidFill>
-                  <a:schemeClr val="tx1"/>
-                </a:solidFill>
-                <a:latin typeface="Arial" panose="020B0604020202020204" pitchFamily="34" charset="0"/>
-              </a:defRPr>
-            </a:lvl6pPr>
-            <a:lvl7pPr marL="2971800" indent="-228600" fontAlgn="base">
-              <a:spcBef>
-                <a:spcPct val="0"/>
-              </a:spcBef>
-              <a:spcAft>
-                <a:spcPct val="0"/>
-              </a:spcAft>
-              <a:defRPr>
-                <a:solidFill>
-                  <a:schemeClr val="tx1"/>
-                </a:solidFill>
-                <a:latin typeface="Arial" panose="020B0604020202020204" pitchFamily="34" charset="0"/>
-              </a:defRPr>
-            </a:lvl7pPr>
-            <a:lvl8pPr marL="3429000" indent="-228600" fontAlgn="base">
-              <a:spcBef>
-                <a:spcPct val="0"/>
-              </a:spcBef>
-              <a:spcAft>
-                <a:spcPct val="0"/>
-              </a:spcAft>
-              <a:defRPr>
-                <a:solidFill>
-                  <a:schemeClr val="tx1"/>
-                </a:solidFill>
-                <a:latin typeface="Arial" panose="020B0604020202020204" pitchFamily="34" charset="0"/>
-              </a:defRPr>
-            </a:lvl8pPr>
-            <a:lvl9pPr marL="3886200" indent="-228600" fontAlgn="base">
-              <a:spcBef>
-                <a:spcPct val="0"/>
-              </a:spcBef>
-              <a:spcAft>
-                <a:spcPct val="0"/>
-              </a:spcAft>
-              <a:defRPr>
-                <a:solidFill>
-                  <a:schemeClr val="tx1"/>
-                </a:solidFill>
-                <a:latin typeface="Arial" panose="020B0604020202020204" pitchFamily="34" charset="0"/>
-              </a:defRPr>
-            </a:lvl9pPr>
-          </a:lstStyle>
-          <a:p>
-            <a:pPr defTabSz="685766">
-              <a:defRPr/>
-            </a:pPr>
-            <a:r>
-              <a:rPr lang="en-US" altLang="en-US" sz="1500" b="1" kern="0" dirty="0"/>
-              <a:t>B</a:t>
-            </a:r>
-          </a:p>
-        </p:txBody>
-      </p:sp>
       <p:grpSp>
         <p:nvGrpSpPr>
-          <p:cNvPr id="19" name="Group 18"/>
+          <p:cNvPr id="9" name="Group 8">
+            <a:extLst>
+              <a:ext uri="{FF2B5EF4-FFF2-40B4-BE49-F238E27FC236}">
+                <a16:creationId xmlns:a16="http://schemas.microsoft.com/office/drawing/2014/main" id="{D6F28D0F-2D97-410F-B227-9AD28DF00F45}"/>
+              </a:ext>
+            </a:extLst>
+          </p:cNvPr>
           <p:cNvGrpSpPr/>
           <p:nvPr/>
         </p:nvGrpSpPr>
         <p:grpSpPr>
           <a:xfrm>
-            <a:off x="7059152" y="1890369"/>
-            <a:ext cx="867545" cy="786436"/>
-            <a:chOff x="8740751" y="1657473"/>
-            <a:chExt cx="1156725" cy="1048581"/>
+            <a:off x="1333212" y="1766223"/>
+            <a:ext cx="6782375" cy="2082672"/>
+            <a:chOff x="1144322" y="1775748"/>
+            <a:chExt cx="6782375" cy="2082672"/>
           </a:xfrm>
         </p:grpSpPr>
         <p:sp>
           <p:nvSpPr>
-            <p:cNvPr id="6" name="Text Box 5"/>
+            <p:cNvPr id="4" name="Text Box 3"/>
             <p:cNvSpPr txBox="1">
               <a:spLocks noChangeArrowheads="1"/>
             </p:cNvSpPr>
@@ -28142,8 +27933,8 @@
           </p:nvSpPr>
           <p:spPr bwMode="auto">
             <a:xfrm>
-              <a:off x="8740751" y="2028947"/>
-              <a:ext cx="1156725" cy="677107"/>
+              <a:off x="4044299" y="2633235"/>
+              <a:ext cx="867545" cy="507831"/>
             </a:xfrm>
             <a:prstGeom prst="rect">
               <a:avLst/>
@@ -28179,7 +27970,7 @@
                     </a:outerShdw>
                   </a:effectLst>
                 </a:rPr>
-                <a:t>Heap</a:t>
+                <a:t>Integer</a:t>
               </a:r>
             </a:p>
             <a:p>
@@ -28204,7 +27995,7 @@
         </p:sp>
         <p:sp>
           <p:nvSpPr>
-            <p:cNvPr id="13" name="Text Box 13"/>
+            <p:cNvPr id="5" name="Text Box 4"/>
             <p:cNvSpPr txBox="1">
               <a:spLocks noChangeArrowheads="1"/>
             </p:cNvSpPr>
@@ -28212,8 +28003,345 @@
           </p:nvSpPr>
           <p:spPr bwMode="auto">
             <a:xfrm>
-              <a:off x="9134964" y="1657473"/>
-              <a:ext cx="432170" cy="430887"/>
+              <a:off x="2798954" y="2582035"/>
+              <a:ext cx="857928" cy="715581"/>
+            </a:xfrm>
+            <a:prstGeom prst="rect">
+              <a:avLst/>
+            </a:prstGeom>
+            <a:noFill/>
+            <a:ln w="19050">
+              <a:solidFill>
+                <a:schemeClr val="tx1"/>
+              </a:solidFill>
+              <a:miter lim="800000"/>
+              <a:headEnd/>
+              <a:tailEnd/>
+            </a:ln>
+            <a:effectLst/>
+          </p:spPr>
+          <p:txBody>
+            <a:bodyPr wrap="none">
+              <a:spAutoFit/>
+            </a:bodyPr>
+            <a:lstStyle/>
+            <a:p>
+              <a:pPr algn="ctr" defTabSz="685766">
+                <a:defRPr/>
+              </a:pPr>
+              <a:r>
+                <a:rPr lang="en-US" sz="1350" kern="0">
+                  <a:solidFill>
+                    <a:sysClr val="windowText" lastClr="000000"/>
+                  </a:solidFill>
+                  <a:effectLst>
+                    <a:outerShdw blurRad="38100" dist="38100" dir="2700000" algn="tl">
+                      <a:srgbClr val="C0C0C0"/>
+                    </a:outerShdw>
+                  </a:effectLst>
+                </a:rPr>
+                <a:t>Incorrect</a:t>
+              </a:r>
+            </a:p>
+            <a:p>
+              <a:pPr algn="ctr" defTabSz="685766">
+                <a:defRPr/>
+              </a:pPr>
+              <a:r>
+                <a:rPr lang="en-US" sz="1350" kern="0">
+                  <a:solidFill>
+                    <a:sysClr val="windowText" lastClr="000000"/>
+                  </a:solidFill>
+                  <a:effectLst>
+                    <a:outerShdw blurRad="38100" dist="38100" dir="2700000" algn="tl">
+                      <a:srgbClr val="C0C0C0"/>
+                    </a:outerShdw>
+                  </a:effectLst>
+                </a:rPr>
+                <a:t>Range</a:t>
+              </a:r>
+            </a:p>
+            <a:p>
+              <a:pPr algn="ctr" defTabSz="685766">
+                <a:defRPr/>
+              </a:pPr>
+              <a:r>
+                <a:rPr lang="en-US" sz="1350" kern="0">
+                  <a:solidFill>
+                    <a:sysClr val="windowText" lastClr="000000"/>
+                  </a:solidFill>
+                  <a:effectLst>
+                    <a:outerShdw blurRad="38100" dist="38100" dir="2700000" algn="tl">
+                      <a:srgbClr val="C0C0C0"/>
+                    </a:outerShdw>
+                  </a:effectLst>
+                </a:rPr>
+                <a:t>Check</a:t>
+              </a:r>
+            </a:p>
+          </p:txBody>
+        </p:sp>
+        <p:sp>
+          <p:nvSpPr>
+            <p:cNvPr id="8" name="Line 7"/>
+            <p:cNvSpPr>
+              <a:spLocks noChangeShapeType="1"/>
+            </p:cNvSpPr>
+            <p:nvPr/>
+          </p:nvSpPr>
+          <p:spPr bwMode="auto">
+            <a:xfrm flipV="1">
+              <a:off x="2568309" y="2955890"/>
+              <a:ext cx="285750" cy="0"/>
+            </a:xfrm>
+            <a:prstGeom prst="line">
+              <a:avLst/>
+            </a:prstGeom>
+            <a:noFill/>
+            <a:ln w="41275">
+              <a:solidFill>
+                <a:schemeClr val="tx1"/>
+              </a:solidFill>
+              <a:round/>
+              <a:headEnd/>
+              <a:tailEnd type="triangle" w="med" len="med"/>
+            </a:ln>
+            <a:extLst>
+              <a:ext uri="{909E8E84-426E-40DD-AFC4-6F175D3DCCD1}">
+                <a14:hiddenFill xmlns:a14="http://schemas.microsoft.com/office/drawing/2010/main">
+                  <a:noFill/>
+                </a14:hiddenFill>
+              </a:ext>
+            </a:extLst>
+          </p:spPr>
+          <p:txBody>
+            <a:bodyPr/>
+            <a:lstStyle/>
+            <a:p>
+              <a:pPr defTabSz="685766">
+                <a:defRPr/>
+              </a:pPr>
+              <a:endParaRPr lang="en-US" sz="1350" kern="0">
+                <a:solidFill>
+                  <a:sysClr val="windowText" lastClr="000000"/>
+                </a:solidFill>
+              </a:endParaRPr>
+            </a:p>
+          </p:txBody>
+        </p:sp>
+        <p:sp>
+          <p:nvSpPr>
+            <p:cNvPr id="10" name="Line 9"/>
+            <p:cNvSpPr>
+              <a:spLocks noChangeShapeType="1"/>
+            </p:cNvSpPr>
+            <p:nvPr/>
+          </p:nvSpPr>
+          <p:spPr bwMode="auto">
+            <a:xfrm flipV="1">
+              <a:off x="6624953" y="2404039"/>
+              <a:ext cx="463154" cy="1"/>
+            </a:xfrm>
+            <a:prstGeom prst="line">
+              <a:avLst/>
+            </a:prstGeom>
+            <a:noFill/>
+            <a:ln w="41275">
+              <a:solidFill>
+                <a:schemeClr val="tx1"/>
+              </a:solidFill>
+              <a:round/>
+              <a:headEnd/>
+              <a:tailEnd type="triangle" w="med" len="med"/>
+            </a:ln>
+            <a:extLst>
+              <a:ext uri="{909E8E84-426E-40DD-AFC4-6F175D3DCCD1}">
+                <a14:hiddenFill xmlns:a14="http://schemas.microsoft.com/office/drawing/2010/main">
+                  <a:noFill/>
+                </a14:hiddenFill>
+              </a:ext>
+            </a:extLst>
+          </p:spPr>
+          <p:txBody>
+            <a:bodyPr/>
+            <a:lstStyle/>
+            <a:p>
+              <a:pPr defTabSz="685766">
+                <a:defRPr/>
+              </a:pPr>
+              <a:endParaRPr lang="en-US" sz="1350" kern="0">
+                <a:solidFill>
+                  <a:sysClr val="windowText" lastClr="000000"/>
+                </a:solidFill>
+              </a:endParaRPr>
+            </a:p>
+          </p:txBody>
+        </p:sp>
+        <p:sp>
+          <p:nvSpPr>
+            <p:cNvPr id="11" name="Text Box 10"/>
+            <p:cNvSpPr txBox="1">
+              <a:spLocks noChangeArrowheads="1"/>
+            </p:cNvSpPr>
+            <p:nvPr/>
+          </p:nvSpPr>
+          <p:spPr bwMode="auto">
+            <a:xfrm>
+              <a:off x="3089253" y="2164720"/>
+              <a:ext cx="324128" cy="323165"/>
+            </a:xfrm>
+            <a:prstGeom prst="rect">
+              <a:avLst/>
+            </a:prstGeom>
+            <a:noFill/>
+            <a:ln>
+              <a:noFill/>
+            </a:ln>
+            <a:extLst>
+              <a:ext uri="{909E8E84-426E-40DD-AFC4-6F175D3DCCD1}">
+                <a14:hiddenFill xmlns:a14="http://schemas.microsoft.com/office/drawing/2010/main">
+                  <a:solidFill>
+                    <a:srgbClr val="FFFFFF"/>
+                  </a:solidFill>
+                </a14:hiddenFill>
+              </a:ext>
+              <a:ext uri="{91240B29-F687-4F45-9708-019B960494DF}">
+                <a14:hiddenLine xmlns:a14="http://schemas.microsoft.com/office/drawing/2010/main" w="9525">
+                  <a:solidFill>
+                    <a:srgbClr val="000000"/>
+                  </a:solidFill>
+                  <a:miter lim="800000"/>
+                  <a:headEnd/>
+                  <a:tailEnd/>
+                </a14:hiddenLine>
+              </a:ext>
+            </a:extLst>
+          </p:spPr>
+          <p:txBody>
+            <a:bodyPr wrap="none">
+              <a:spAutoFit/>
+            </a:bodyPr>
+            <a:lstStyle>
+              <a:lvl1pPr>
+                <a:defRPr>
+                  <a:solidFill>
+                    <a:schemeClr val="tx1"/>
+                  </a:solidFill>
+                  <a:latin typeface="Arial" panose="020B0604020202020204" pitchFamily="34" charset="0"/>
+                </a:defRPr>
+              </a:lvl1pPr>
+              <a:lvl2pPr marL="742950" indent="-285750">
+                <a:defRPr>
+                  <a:solidFill>
+                    <a:schemeClr val="tx1"/>
+                  </a:solidFill>
+                  <a:latin typeface="Arial" panose="020B0604020202020204" pitchFamily="34" charset="0"/>
+                </a:defRPr>
+              </a:lvl2pPr>
+              <a:lvl3pPr marL="1143000" indent="-228600">
+                <a:defRPr>
+                  <a:solidFill>
+                    <a:schemeClr val="tx1"/>
+                  </a:solidFill>
+                  <a:latin typeface="Arial" panose="020B0604020202020204" pitchFamily="34" charset="0"/>
+                </a:defRPr>
+              </a:lvl3pPr>
+              <a:lvl4pPr marL="1600200" indent="-228600">
+                <a:defRPr>
+                  <a:solidFill>
+                    <a:schemeClr val="tx1"/>
+                  </a:solidFill>
+                  <a:latin typeface="Arial" panose="020B0604020202020204" pitchFamily="34" charset="0"/>
+                </a:defRPr>
+              </a:lvl4pPr>
+              <a:lvl5pPr marL="2057400" indent="-228600">
+                <a:defRPr>
+                  <a:solidFill>
+                    <a:schemeClr val="tx1"/>
+                  </a:solidFill>
+                  <a:latin typeface="Arial" panose="020B0604020202020204" pitchFamily="34" charset="0"/>
+                </a:defRPr>
+              </a:lvl5pPr>
+              <a:lvl6pPr marL="2514600" indent="-228600" fontAlgn="base">
+                <a:spcBef>
+                  <a:spcPct val="0"/>
+                </a:spcBef>
+                <a:spcAft>
+                  <a:spcPct val="0"/>
+                </a:spcAft>
+                <a:defRPr>
+                  <a:solidFill>
+                    <a:schemeClr val="tx1"/>
+                  </a:solidFill>
+                  <a:latin typeface="Arial" panose="020B0604020202020204" pitchFamily="34" charset="0"/>
+                </a:defRPr>
+              </a:lvl6pPr>
+              <a:lvl7pPr marL="2971800" indent="-228600" fontAlgn="base">
+                <a:spcBef>
+                  <a:spcPct val="0"/>
+                </a:spcBef>
+                <a:spcAft>
+                  <a:spcPct val="0"/>
+                </a:spcAft>
+                <a:defRPr>
+                  <a:solidFill>
+                    <a:schemeClr val="tx1"/>
+                  </a:solidFill>
+                  <a:latin typeface="Arial" panose="020B0604020202020204" pitchFamily="34" charset="0"/>
+                </a:defRPr>
+              </a:lvl7pPr>
+              <a:lvl8pPr marL="3429000" indent="-228600" fontAlgn="base">
+                <a:spcBef>
+                  <a:spcPct val="0"/>
+                </a:spcBef>
+                <a:spcAft>
+                  <a:spcPct val="0"/>
+                </a:spcAft>
+                <a:defRPr>
+                  <a:solidFill>
+                    <a:schemeClr val="tx1"/>
+                  </a:solidFill>
+                  <a:latin typeface="Arial" panose="020B0604020202020204" pitchFamily="34" charset="0"/>
+                </a:defRPr>
+              </a:lvl8pPr>
+              <a:lvl9pPr marL="3886200" indent="-228600" fontAlgn="base">
+                <a:spcBef>
+                  <a:spcPct val="0"/>
+                </a:spcBef>
+                <a:spcAft>
+                  <a:spcPct val="0"/>
+                </a:spcAft>
+                <a:defRPr>
+                  <a:solidFill>
+                    <a:schemeClr val="tx1"/>
+                  </a:solidFill>
+                  <a:latin typeface="Arial" panose="020B0604020202020204" pitchFamily="34" charset="0"/>
+                </a:defRPr>
+              </a:lvl9pPr>
+            </a:lstStyle>
+            <a:p>
+              <a:pPr defTabSz="685766">
+                <a:defRPr/>
+              </a:pPr>
+              <a:r>
+                <a:rPr lang="en-US" altLang="en-US" sz="1500" b="1" kern="0"/>
+                <a:t>A</a:t>
+              </a:r>
+            </a:p>
+          </p:txBody>
+        </p:sp>
+        <p:sp>
+          <p:nvSpPr>
+            <p:cNvPr id="12" name="Text Box 11"/>
+            <p:cNvSpPr txBox="1">
+              <a:spLocks noChangeArrowheads="1"/>
+            </p:cNvSpPr>
+            <p:nvPr/>
+          </p:nvSpPr>
+          <p:spPr bwMode="auto">
+            <a:xfrm>
+              <a:off x="4307812" y="2164720"/>
+              <a:ext cx="324128" cy="323165"/>
             </a:xfrm>
             <a:prstGeom prst="rect">
               <a:avLst/>
@@ -28350,284 +28478,252 @@
               </a:pPr>
               <a:r>
                 <a:rPr lang="en-US" altLang="en-US" sz="1500" b="1" kern="0" dirty="0"/>
-                <a:t>D</a:t>
+                <a:t>B</a:t>
               </a:r>
             </a:p>
           </p:txBody>
         </p:sp>
-      </p:grpSp>
-      <p:sp>
-        <p:nvSpPr>
-          <p:cNvPr id="14" name="Text Box 22"/>
-          <p:cNvSpPr txBox="1">
-            <a:spLocks noChangeArrowheads="1"/>
-          </p:cNvSpPr>
-          <p:nvPr/>
-        </p:nvSpPr>
-        <p:spPr bwMode="auto">
-          <a:xfrm>
-            <a:off x="1144322" y="2414158"/>
-            <a:ext cx="1423988" cy="923330"/>
-          </a:xfrm>
-          <a:prstGeom prst="rect">
-            <a:avLst/>
-          </a:prstGeom>
-          <a:solidFill>
-            <a:srgbClr val="FFFF99"/>
-          </a:solidFill>
-          <a:ln w="19050">
-            <a:solidFill>
-              <a:schemeClr val="tx1"/>
-            </a:solidFill>
-            <a:miter lim="800000"/>
-            <a:headEnd/>
-            <a:tailEnd/>
-          </a:ln>
-          <a:effectLst/>
-        </p:spPr>
-        <p:txBody>
-          <a:bodyPr wrap="square">
-            <a:spAutoFit/>
-          </a:bodyPr>
-          <a:lstStyle/>
-          <a:p>
-            <a:pPr algn="ctr" defTabSz="685766">
-              <a:defRPr/>
-            </a:pPr>
-            <a:r>
-              <a:rPr lang="en-US" sz="1350" kern="0">
+        <p:grpSp>
+          <p:nvGrpSpPr>
+            <p:cNvPr id="19" name="Group 18"/>
+            <p:cNvGrpSpPr/>
+            <p:nvPr/>
+          </p:nvGrpSpPr>
+          <p:grpSpPr>
+            <a:xfrm>
+              <a:off x="7059152" y="1890369"/>
+              <a:ext cx="867545" cy="786436"/>
+              <a:chOff x="8740751" y="1657473"/>
+              <a:chExt cx="1156725" cy="1048581"/>
+            </a:xfrm>
+          </p:grpSpPr>
+          <p:sp>
+            <p:nvSpPr>
+              <p:cNvPr id="6" name="Text Box 5"/>
+              <p:cNvSpPr txBox="1">
+                <a:spLocks noChangeArrowheads="1"/>
+              </p:cNvSpPr>
+              <p:nvPr/>
+            </p:nvSpPr>
+            <p:spPr bwMode="auto">
+              <a:xfrm>
+                <a:off x="8740751" y="2028947"/>
+                <a:ext cx="1156725" cy="677107"/>
+              </a:xfrm>
+              <a:prstGeom prst="rect">
+                <a:avLst/>
+              </a:prstGeom>
+              <a:noFill/>
+              <a:ln w="19050">
                 <a:solidFill>
-                  <a:sysClr val="windowText" lastClr="000000"/>
-                </a:solidFill>
-                <a:effectLst>
-                  <a:outerShdw blurRad="38100" dist="38100" dir="2700000" algn="tl">
-                    <a:srgbClr val="FFFFFF"/>
-                  </a:outerShdw>
-                </a:effectLst>
-              </a:rPr>
-              <a:t>Use of Signed Integers for Always-Positive Operations</a:t>
-            </a:r>
-          </a:p>
-        </p:txBody>
-      </p:sp>
-      <p:sp>
-        <p:nvSpPr>
-          <p:cNvPr id="15" name="Text Box 23"/>
-          <p:cNvSpPr txBox="1">
-            <a:spLocks noChangeArrowheads="1"/>
-          </p:cNvSpPr>
-          <p:nvPr/>
-        </p:nvSpPr>
-        <p:spPr bwMode="auto">
-          <a:xfrm>
-            <a:off x="1694663" y="2128496"/>
-            <a:ext cx="312906" cy="323165"/>
-          </a:xfrm>
-          <a:prstGeom prst="rect">
-            <a:avLst/>
-          </a:prstGeom>
-          <a:noFill/>
-          <a:ln>
-            <a:noFill/>
-          </a:ln>
-          <a:extLst>
-            <a:ext uri="{909E8E84-426E-40DD-AFC4-6F175D3DCCD1}">
-              <a14:hiddenFill xmlns:a14="http://schemas.microsoft.com/office/drawing/2010/main">
-                <a:solidFill>
-                  <a:srgbClr val="FFFFFF"/>
-                </a:solidFill>
-              </a14:hiddenFill>
-            </a:ext>
-            <a:ext uri="{91240B29-F687-4F45-9708-019B960494DF}">
-              <a14:hiddenLine xmlns:a14="http://schemas.microsoft.com/office/drawing/2010/main" w="9525">
-                <a:solidFill>
-                  <a:srgbClr val="000000"/>
+                  <a:schemeClr val="tx1"/>
                 </a:solidFill>
                 <a:miter lim="800000"/>
                 <a:headEnd/>
                 <a:tailEnd/>
-              </a14:hiddenLine>
-            </a:ext>
-          </a:extLst>
-        </p:spPr>
-        <p:txBody>
-          <a:bodyPr wrap="none">
-            <a:spAutoFit/>
-          </a:bodyPr>
-          <a:lstStyle>
-            <a:lvl1pPr>
-              <a:defRPr>
-                <a:solidFill>
-                  <a:schemeClr val="tx1"/>
-                </a:solidFill>
-                <a:latin typeface="Arial" panose="020B0604020202020204" pitchFamily="34" charset="0"/>
-              </a:defRPr>
-            </a:lvl1pPr>
-            <a:lvl2pPr marL="742950" indent="-285750">
-              <a:defRPr>
-                <a:solidFill>
-                  <a:schemeClr val="tx1"/>
-                </a:solidFill>
-                <a:latin typeface="Arial" panose="020B0604020202020204" pitchFamily="34" charset="0"/>
-              </a:defRPr>
-            </a:lvl2pPr>
-            <a:lvl3pPr marL="1143000" indent="-228600">
-              <a:defRPr>
-                <a:solidFill>
-                  <a:schemeClr val="tx1"/>
-                </a:solidFill>
-                <a:latin typeface="Arial" panose="020B0604020202020204" pitchFamily="34" charset="0"/>
-              </a:defRPr>
-            </a:lvl3pPr>
-            <a:lvl4pPr marL="1600200" indent="-228600">
-              <a:defRPr>
-                <a:solidFill>
-                  <a:schemeClr val="tx1"/>
-                </a:solidFill>
-                <a:latin typeface="Arial" panose="020B0604020202020204" pitchFamily="34" charset="0"/>
-              </a:defRPr>
-            </a:lvl4pPr>
-            <a:lvl5pPr marL="2057400" indent="-228600">
-              <a:defRPr>
-                <a:solidFill>
-                  <a:schemeClr val="tx1"/>
-                </a:solidFill>
-                <a:latin typeface="Arial" panose="020B0604020202020204" pitchFamily="34" charset="0"/>
-              </a:defRPr>
-            </a:lvl5pPr>
-            <a:lvl6pPr marL="2514600" indent="-228600" fontAlgn="base">
-              <a:spcBef>
-                <a:spcPct val="0"/>
-              </a:spcBef>
-              <a:spcAft>
-                <a:spcPct val="0"/>
-              </a:spcAft>
-              <a:defRPr>
-                <a:solidFill>
-                  <a:schemeClr val="tx1"/>
-                </a:solidFill>
-                <a:latin typeface="Arial" panose="020B0604020202020204" pitchFamily="34" charset="0"/>
-              </a:defRPr>
-            </a:lvl6pPr>
-            <a:lvl7pPr marL="2971800" indent="-228600" fontAlgn="base">
-              <a:spcBef>
-                <a:spcPct val="0"/>
-              </a:spcBef>
-              <a:spcAft>
-                <a:spcPct val="0"/>
-              </a:spcAft>
-              <a:defRPr>
-                <a:solidFill>
-                  <a:schemeClr val="tx1"/>
-                </a:solidFill>
-                <a:latin typeface="Arial" panose="020B0604020202020204" pitchFamily="34" charset="0"/>
-              </a:defRPr>
-            </a:lvl7pPr>
-            <a:lvl8pPr marL="3429000" indent="-228600" fontAlgn="base">
-              <a:spcBef>
-                <a:spcPct val="0"/>
-              </a:spcBef>
-              <a:spcAft>
-                <a:spcPct val="0"/>
-              </a:spcAft>
-              <a:defRPr>
-                <a:solidFill>
-                  <a:schemeClr val="tx1"/>
-                </a:solidFill>
-                <a:latin typeface="Arial" panose="020B0604020202020204" pitchFamily="34" charset="0"/>
-              </a:defRPr>
-            </a:lvl8pPr>
-            <a:lvl9pPr marL="3886200" indent="-228600" fontAlgn="base">
-              <a:spcBef>
-                <a:spcPct val="0"/>
-              </a:spcBef>
-              <a:spcAft>
-                <a:spcPct val="0"/>
-              </a:spcAft>
-              <a:defRPr>
-                <a:solidFill>
-                  <a:schemeClr val="tx1"/>
-                </a:solidFill>
-                <a:latin typeface="Arial" panose="020B0604020202020204" pitchFamily="34" charset="0"/>
-              </a:defRPr>
-            </a:lvl9pPr>
-          </a:lstStyle>
-          <a:p>
-            <a:pPr defTabSz="685766">
-              <a:defRPr/>
-            </a:pPr>
-            <a:r>
-              <a:rPr lang="en-US" altLang="en-US" sz="1500" b="1" kern="0" dirty="0"/>
-              <a:t>X</a:t>
-            </a:r>
-          </a:p>
-        </p:txBody>
-      </p:sp>
-      <p:sp>
-        <p:nvSpPr>
-          <p:cNvPr id="16" name="Line 24"/>
-          <p:cNvSpPr>
-            <a:spLocks noChangeShapeType="1"/>
-          </p:cNvSpPr>
-          <p:nvPr/>
-        </p:nvSpPr>
-        <p:spPr bwMode="auto">
-          <a:xfrm>
-            <a:off x="3623206" y="2927315"/>
-            <a:ext cx="422672" cy="0"/>
-          </a:xfrm>
-          <a:prstGeom prst="line">
-            <a:avLst/>
-          </a:prstGeom>
-          <a:noFill/>
-          <a:ln w="41275">
-            <a:solidFill>
-              <a:schemeClr val="tx1"/>
-            </a:solidFill>
-            <a:round/>
-            <a:headEnd/>
-            <a:tailEnd type="triangle" w="med" len="med"/>
-          </a:ln>
-          <a:extLst>
-            <a:ext uri="{909E8E84-426E-40DD-AFC4-6F175D3DCCD1}">
-              <a14:hiddenFill xmlns:a14="http://schemas.microsoft.com/office/drawing/2010/main">
+              </a:ln>
+              <a:effectLst/>
+            </p:spPr>
+            <p:txBody>
+              <a:bodyPr wrap="none">
+                <a:spAutoFit/>
+              </a:bodyPr>
+              <a:lstStyle/>
+              <a:p>
+                <a:pPr algn="ctr" defTabSz="685766">
+                  <a:defRPr/>
+                </a:pPr>
+                <a:r>
+                  <a:rPr lang="en-US" sz="1350" kern="0">
+                    <a:solidFill>
+                      <a:sysClr val="windowText" lastClr="000000"/>
+                    </a:solidFill>
+                    <a:effectLst>
+                      <a:outerShdw blurRad="38100" dist="38100" dir="2700000" algn="tl">
+                        <a:srgbClr val="C0C0C0"/>
+                      </a:outerShdw>
+                    </a:effectLst>
+                  </a:rPr>
+                  <a:t>Heap</a:t>
+                </a:r>
+              </a:p>
+              <a:p>
+                <a:pPr algn="ctr" defTabSz="685766">
+                  <a:defRPr/>
+                </a:pPr>
+                <a:r>
+                  <a:rPr lang="en-US" sz="1350" kern="0">
+                    <a:solidFill>
+                      <a:sysClr val="windowText" lastClr="000000"/>
+                    </a:solidFill>
+                    <a:effectLst>
+                      <a:outerShdw blurRad="38100" dist="38100" dir="2700000" algn="tl">
+                        <a:srgbClr val="C0C0C0"/>
+                      </a:outerShdw>
+                    </a:effectLst>
+                  </a:rPr>
+                  <a:t>Overflow</a:t>
+                </a:r>
+              </a:p>
+            </p:txBody>
+          </p:sp>
+          <p:sp>
+            <p:nvSpPr>
+              <p:cNvPr id="13" name="Text Box 13"/>
+              <p:cNvSpPr txBox="1">
+                <a:spLocks noChangeArrowheads="1"/>
+              </p:cNvSpPr>
+              <p:nvPr/>
+            </p:nvSpPr>
+            <p:spPr bwMode="auto">
+              <a:xfrm>
+                <a:off x="9134964" y="1657473"/>
+                <a:ext cx="432170" cy="430887"/>
+              </a:xfrm>
+              <a:prstGeom prst="rect">
+                <a:avLst/>
+              </a:prstGeom>
+              <a:noFill/>
+              <a:ln>
                 <a:noFill/>
-              </a14:hiddenFill>
-            </a:ext>
-          </a:extLst>
-        </p:spPr>
-        <p:txBody>
-          <a:bodyPr/>
-          <a:lstStyle/>
-          <a:p>
-            <a:pPr defTabSz="685766">
-              <a:defRPr/>
-            </a:pPr>
-            <a:endParaRPr lang="en-US" sz="1350" kern="0">
-              <a:solidFill>
-                <a:sysClr val="windowText" lastClr="000000"/>
-              </a:solidFill>
-            </a:endParaRPr>
-          </a:p>
-        </p:txBody>
-      </p:sp>
-      <p:grpSp>
-        <p:nvGrpSpPr>
-          <p:cNvPr id="18" name="Group 17"/>
-          <p:cNvGrpSpPr/>
-          <p:nvPr/>
-        </p:nvGrpSpPr>
-        <p:grpSpPr>
-          <a:xfrm>
-            <a:off x="5358126" y="1775748"/>
-            <a:ext cx="1266825" cy="1013236"/>
-            <a:chOff x="6509239" y="1373310"/>
-            <a:chExt cx="1689100" cy="1350981"/>
-          </a:xfrm>
-        </p:grpSpPr>
+              </a:ln>
+              <a:extLst>
+                <a:ext uri="{909E8E84-426E-40DD-AFC4-6F175D3DCCD1}">
+                  <a14:hiddenFill xmlns:a14="http://schemas.microsoft.com/office/drawing/2010/main">
+                    <a:solidFill>
+                      <a:srgbClr val="FFFFFF"/>
+                    </a:solidFill>
+                  </a14:hiddenFill>
+                </a:ext>
+                <a:ext uri="{91240B29-F687-4F45-9708-019B960494DF}">
+                  <a14:hiddenLine xmlns:a14="http://schemas.microsoft.com/office/drawing/2010/main" w="9525">
+                    <a:solidFill>
+                      <a:srgbClr val="000000"/>
+                    </a:solidFill>
+                    <a:miter lim="800000"/>
+                    <a:headEnd/>
+                    <a:tailEnd/>
+                  </a14:hiddenLine>
+                </a:ext>
+              </a:extLst>
+            </p:spPr>
+            <p:txBody>
+              <a:bodyPr wrap="none">
+                <a:spAutoFit/>
+              </a:bodyPr>
+              <a:lstStyle>
+                <a:lvl1pPr>
+                  <a:defRPr>
+                    <a:solidFill>
+                      <a:schemeClr val="tx1"/>
+                    </a:solidFill>
+                    <a:latin typeface="Arial" panose="020B0604020202020204" pitchFamily="34" charset="0"/>
+                  </a:defRPr>
+                </a:lvl1pPr>
+                <a:lvl2pPr marL="742950" indent="-285750">
+                  <a:defRPr>
+                    <a:solidFill>
+                      <a:schemeClr val="tx1"/>
+                    </a:solidFill>
+                    <a:latin typeface="Arial" panose="020B0604020202020204" pitchFamily="34" charset="0"/>
+                  </a:defRPr>
+                </a:lvl2pPr>
+                <a:lvl3pPr marL="1143000" indent="-228600">
+                  <a:defRPr>
+                    <a:solidFill>
+                      <a:schemeClr val="tx1"/>
+                    </a:solidFill>
+                    <a:latin typeface="Arial" panose="020B0604020202020204" pitchFamily="34" charset="0"/>
+                  </a:defRPr>
+                </a:lvl3pPr>
+                <a:lvl4pPr marL="1600200" indent="-228600">
+                  <a:defRPr>
+                    <a:solidFill>
+                      <a:schemeClr val="tx1"/>
+                    </a:solidFill>
+                    <a:latin typeface="Arial" panose="020B0604020202020204" pitchFamily="34" charset="0"/>
+                  </a:defRPr>
+                </a:lvl4pPr>
+                <a:lvl5pPr marL="2057400" indent="-228600">
+                  <a:defRPr>
+                    <a:solidFill>
+                      <a:schemeClr val="tx1"/>
+                    </a:solidFill>
+                    <a:latin typeface="Arial" panose="020B0604020202020204" pitchFamily="34" charset="0"/>
+                  </a:defRPr>
+                </a:lvl5pPr>
+                <a:lvl6pPr marL="2514600" indent="-228600" fontAlgn="base">
+                  <a:spcBef>
+                    <a:spcPct val="0"/>
+                  </a:spcBef>
+                  <a:spcAft>
+                    <a:spcPct val="0"/>
+                  </a:spcAft>
+                  <a:defRPr>
+                    <a:solidFill>
+                      <a:schemeClr val="tx1"/>
+                    </a:solidFill>
+                    <a:latin typeface="Arial" panose="020B0604020202020204" pitchFamily="34" charset="0"/>
+                  </a:defRPr>
+                </a:lvl6pPr>
+                <a:lvl7pPr marL="2971800" indent="-228600" fontAlgn="base">
+                  <a:spcBef>
+                    <a:spcPct val="0"/>
+                  </a:spcBef>
+                  <a:spcAft>
+                    <a:spcPct val="0"/>
+                  </a:spcAft>
+                  <a:defRPr>
+                    <a:solidFill>
+                      <a:schemeClr val="tx1"/>
+                    </a:solidFill>
+                    <a:latin typeface="Arial" panose="020B0604020202020204" pitchFamily="34" charset="0"/>
+                  </a:defRPr>
+                </a:lvl7pPr>
+                <a:lvl8pPr marL="3429000" indent="-228600" fontAlgn="base">
+                  <a:spcBef>
+                    <a:spcPct val="0"/>
+                  </a:spcBef>
+                  <a:spcAft>
+                    <a:spcPct val="0"/>
+                  </a:spcAft>
+                  <a:defRPr>
+                    <a:solidFill>
+                      <a:schemeClr val="tx1"/>
+                    </a:solidFill>
+                    <a:latin typeface="Arial" panose="020B0604020202020204" pitchFamily="34" charset="0"/>
+                  </a:defRPr>
+                </a:lvl8pPr>
+                <a:lvl9pPr marL="3886200" indent="-228600" fontAlgn="base">
+                  <a:spcBef>
+                    <a:spcPct val="0"/>
+                  </a:spcBef>
+                  <a:spcAft>
+                    <a:spcPct val="0"/>
+                  </a:spcAft>
+                  <a:defRPr>
+                    <a:solidFill>
+                      <a:schemeClr val="tx1"/>
+                    </a:solidFill>
+                    <a:latin typeface="Arial" panose="020B0604020202020204" pitchFamily="34" charset="0"/>
+                  </a:defRPr>
+                </a:lvl9pPr>
+              </a:lstStyle>
+              <a:p>
+                <a:pPr defTabSz="685766">
+                  <a:defRPr/>
+                </a:pPr>
+                <a:r>
+                  <a:rPr lang="en-US" altLang="en-US" sz="1500" b="1" kern="0" dirty="0"/>
+                  <a:t>D</a:t>
+                </a:r>
+              </a:p>
+            </p:txBody>
+          </p:sp>
+        </p:grpSp>
         <p:sp>
           <p:nvSpPr>
-            <p:cNvPr id="7" name="Text Box 6"/>
+            <p:cNvPr id="14" name="Text Box 22"/>
             <p:cNvSpPr txBox="1">
               <a:spLocks noChangeArrowheads="1"/>
             </p:cNvSpPr>
@@ -28635,13 +28731,15 @@
           </p:nvSpPr>
           <p:spPr bwMode="auto">
             <a:xfrm>
-              <a:off x="6509239" y="1770184"/>
-              <a:ext cx="1689100" cy="954107"/>
+              <a:off x="1144322" y="2414158"/>
+              <a:ext cx="1423988" cy="923330"/>
             </a:xfrm>
             <a:prstGeom prst="rect">
               <a:avLst/>
             </a:prstGeom>
-            <a:noFill/>
+            <a:solidFill>
+              <a:srgbClr val="FFFF99"/>
+            </a:solidFill>
             <a:ln w="19050">
               <a:solidFill>
                 <a:schemeClr val="tx1"/>
@@ -28653,7 +28751,7 @@
             <a:effectLst/>
           </p:spPr>
           <p:txBody>
-            <a:bodyPr>
+            <a:bodyPr wrap="square">
               <a:spAutoFit/>
             </a:bodyPr>
             <a:lstStyle/>
@@ -28668,18 +28766,18 @@
                   </a:solidFill>
                   <a:effectLst>
                     <a:outerShdw blurRad="38100" dist="38100" dir="2700000" algn="tl">
-                      <a:srgbClr val="C0C0C0"/>
+                      <a:srgbClr val="FFFFFF"/>
                     </a:outerShdw>
                   </a:effectLst>
                 </a:rPr>
-                <a:t>Insufficient Memory Allocation</a:t>
+                <a:t>Use of Signed Integers for Always-Positive Operations</a:t>
               </a:r>
             </a:p>
           </p:txBody>
         </p:sp>
         <p:sp>
           <p:nvSpPr>
-            <p:cNvPr id="17" name="Text Box 11"/>
+            <p:cNvPr id="15" name="Text Box 23"/>
             <p:cNvSpPr txBox="1">
               <a:spLocks noChangeArrowheads="1"/>
             </p:cNvSpPr>
@@ -28687,8 +28785,8 @@
           </p:nvSpPr>
           <p:spPr bwMode="auto">
             <a:xfrm>
-              <a:off x="7166343" y="1373310"/>
-              <a:ext cx="432171" cy="430887"/>
+              <a:off x="1694663" y="2128496"/>
+              <a:ext cx="312906" cy="323165"/>
             </a:xfrm>
             <a:prstGeom prst="rect">
               <a:avLst/>
@@ -28825,328 +28923,596 @@
               </a:pPr>
               <a:r>
                 <a:rPr lang="en-US" altLang="en-US" sz="1500" b="1" kern="0" dirty="0"/>
-                <a:t>C</a:t>
-              </a:r>
-            </a:p>
-          </p:txBody>
-        </p:sp>
-      </p:grpSp>
-      <p:grpSp>
-        <p:nvGrpSpPr>
-          <p:cNvPr id="20" name="Group 19"/>
-          <p:cNvGrpSpPr/>
-          <p:nvPr/>
-        </p:nvGrpSpPr>
-        <p:grpSpPr>
-          <a:xfrm>
-            <a:off x="5358126" y="2845184"/>
-            <a:ext cx="1266825" cy="1013236"/>
-            <a:chOff x="6509239" y="1373310"/>
-            <a:chExt cx="1689100" cy="1350981"/>
-          </a:xfrm>
-        </p:grpSpPr>
-        <p:sp>
-          <p:nvSpPr>
-            <p:cNvPr id="21" name="Text Box 6"/>
-            <p:cNvSpPr txBox="1">
-              <a:spLocks noChangeArrowheads="1"/>
-            </p:cNvSpPr>
-            <p:nvPr/>
-          </p:nvSpPr>
-          <p:spPr bwMode="auto">
-            <a:xfrm>
-              <a:off x="6509239" y="1770184"/>
-              <a:ext cx="1689100" cy="954107"/>
-            </a:xfrm>
-            <a:prstGeom prst="rect">
-              <a:avLst/>
-            </a:prstGeom>
-            <a:noFill/>
-            <a:ln w="19050">
-              <a:solidFill>
-                <a:schemeClr val="tx1"/>
-              </a:solidFill>
-              <a:miter lim="800000"/>
-              <a:headEnd/>
-              <a:tailEnd/>
-            </a:ln>
-            <a:effectLst/>
-          </p:spPr>
-          <p:txBody>
-            <a:bodyPr>
-              <a:spAutoFit/>
-            </a:bodyPr>
-            <a:lstStyle/>
-            <a:p>
-              <a:pPr algn="ctr" defTabSz="685766">
-                <a:defRPr/>
-              </a:pPr>
-              <a:r>
-                <a:rPr lang="en-US" sz="1350" kern="0" dirty="0">
-                  <a:solidFill>
-                    <a:sysClr val="windowText" lastClr="000000"/>
-                  </a:solidFill>
-                  <a:effectLst>
-                    <a:outerShdw blurRad="38100" dist="38100" dir="2700000" algn="tl">
-                      <a:srgbClr val="C0C0C0"/>
-                    </a:outerShdw>
-                  </a:effectLst>
-                </a:rPr>
-                <a:t>Out-of-bounds</a:t>
-              </a:r>
-            </a:p>
-            <a:p>
-              <a:pPr algn="ctr" defTabSz="685766">
-                <a:defRPr/>
-              </a:pPr>
-              <a:r>
-                <a:rPr lang="en-US" sz="1350" kern="0" dirty="0">
-                  <a:solidFill>
-                    <a:sysClr val="windowText" lastClr="000000"/>
-                  </a:solidFill>
-                  <a:effectLst>
-                    <a:outerShdw blurRad="38100" dist="38100" dir="2700000" algn="tl">
-                      <a:srgbClr val="C0C0C0"/>
-                    </a:outerShdw>
-                  </a:effectLst>
-                </a:rPr>
-                <a:t>Read</a:t>
+                <a:t>X</a:t>
               </a:r>
             </a:p>
           </p:txBody>
         </p:sp>
         <p:sp>
           <p:nvSpPr>
-            <p:cNvPr id="22" name="Text Box 11"/>
-            <p:cNvSpPr txBox="1">
-              <a:spLocks noChangeArrowheads="1"/>
+            <p:cNvPr id="16" name="Line 24"/>
+            <p:cNvSpPr>
+              <a:spLocks noChangeShapeType="1"/>
             </p:cNvSpPr>
             <p:nvPr/>
           </p:nvSpPr>
           <p:spPr bwMode="auto">
             <a:xfrm>
-              <a:off x="7166343" y="1373310"/>
-              <a:ext cx="417208" cy="430887"/>
+              <a:off x="3623206" y="2927315"/>
+              <a:ext cx="422672" cy="0"/>
             </a:xfrm>
-            <a:prstGeom prst="rect">
+            <a:prstGeom prst="line">
               <a:avLst/>
             </a:prstGeom>
             <a:noFill/>
-            <a:ln>
-              <a:noFill/>
+            <a:ln w="41275">
+              <a:solidFill>
+                <a:schemeClr val="tx1"/>
+              </a:solidFill>
+              <a:round/>
+              <a:headEnd/>
+              <a:tailEnd type="triangle" w="med" len="med"/>
             </a:ln>
             <a:extLst>
               <a:ext uri="{909E8E84-426E-40DD-AFC4-6F175D3DCCD1}">
                 <a14:hiddenFill xmlns:a14="http://schemas.microsoft.com/office/drawing/2010/main">
-                  <a:solidFill>
-                    <a:srgbClr val="FFFFFF"/>
-                  </a:solidFill>
+                  <a:noFill/>
                 </a14:hiddenFill>
-              </a:ext>
-              <a:ext uri="{91240B29-F687-4F45-9708-019B960494DF}">
-                <a14:hiddenLine xmlns:a14="http://schemas.microsoft.com/office/drawing/2010/main" w="9525">
-                  <a:solidFill>
-                    <a:srgbClr val="000000"/>
-                  </a:solidFill>
-                  <a:miter lim="800000"/>
-                  <a:headEnd/>
-                  <a:tailEnd/>
-                </a14:hiddenLine>
               </a:ext>
             </a:extLst>
           </p:spPr>
           <p:txBody>
-            <a:bodyPr wrap="none">
-              <a:spAutoFit/>
-            </a:bodyPr>
-            <a:lstStyle>
-              <a:lvl1pPr>
-                <a:defRPr>
-                  <a:solidFill>
-                    <a:schemeClr val="tx1"/>
-                  </a:solidFill>
-                  <a:latin typeface="Arial" panose="020B0604020202020204" pitchFamily="34" charset="0"/>
-                </a:defRPr>
-              </a:lvl1pPr>
-              <a:lvl2pPr marL="742950" indent="-285750">
-                <a:defRPr>
-                  <a:solidFill>
-                    <a:schemeClr val="tx1"/>
-                  </a:solidFill>
-                  <a:latin typeface="Arial" panose="020B0604020202020204" pitchFamily="34" charset="0"/>
-                </a:defRPr>
-              </a:lvl2pPr>
-              <a:lvl3pPr marL="1143000" indent="-228600">
-                <a:defRPr>
-                  <a:solidFill>
-                    <a:schemeClr val="tx1"/>
-                  </a:solidFill>
-                  <a:latin typeface="Arial" panose="020B0604020202020204" pitchFamily="34" charset="0"/>
-                </a:defRPr>
-              </a:lvl3pPr>
-              <a:lvl4pPr marL="1600200" indent="-228600">
-                <a:defRPr>
-                  <a:solidFill>
-                    <a:schemeClr val="tx1"/>
-                  </a:solidFill>
-                  <a:latin typeface="Arial" panose="020B0604020202020204" pitchFamily="34" charset="0"/>
-                </a:defRPr>
-              </a:lvl4pPr>
-              <a:lvl5pPr marL="2057400" indent="-228600">
-                <a:defRPr>
-                  <a:solidFill>
-                    <a:schemeClr val="tx1"/>
-                  </a:solidFill>
-                  <a:latin typeface="Arial" panose="020B0604020202020204" pitchFamily="34" charset="0"/>
-                </a:defRPr>
-              </a:lvl5pPr>
-              <a:lvl6pPr marL="2514600" indent="-228600" fontAlgn="base">
-                <a:spcBef>
-                  <a:spcPct val="0"/>
-                </a:spcBef>
-                <a:spcAft>
-                  <a:spcPct val="0"/>
-                </a:spcAft>
-                <a:defRPr>
-                  <a:solidFill>
-                    <a:schemeClr val="tx1"/>
-                  </a:solidFill>
-                  <a:latin typeface="Arial" panose="020B0604020202020204" pitchFamily="34" charset="0"/>
-                </a:defRPr>
-              </a:lvl6pPr>
-              <a:lvl7pPr marL="2971800" indent="-228600" fontAlgn="base">
-                <a:spcBef>
-                  <a:spcPct val="0"/>
-                </a:spcBef>
-                <a:spcAft>
-                  <a:spcPct val="0"/>
-                </a:spcAft>
-                <a:defRPr>
-                  <a:solidFill>
-                    <a:schemeClr val="tx1"/>
-                  </a:solidFill>
-                  <a:latin typeface="Arial" panose="020B0604020202020204" pitchFamily="34" charset="0"/>
-                </a:defRPr>
-              </a:lvl7pPr>
-              <a:lvl8pPr marL="3429000" indent="-228600" fontAlgn="base">
-                <a:spcBef>
-                  <a:spcPct val="0"/>
-                </a:spcBef>
-                <a:spcAft>
-                  <a:spcPct val="0"/>
-                </a:spcAft>
-                <a:defRPr>
-                  <a:solidFill>
-                    <a:schemeClr val="tx1"/>
-                  </a:solidFill>
-                  <a:latin typeface="Arial" panose="020B0604020202020204" pitchFamily="34" charset="0"/>
-                </a:defRPr>
-              </a:lvl8pPr>
-              <a:lvl9pPr marL="3886200" indent="-228600" fontAlgn="base">
-                <a:spcBef>
-                  <a:spcPct val="0"/>
-                </a:spcBef>
-                <a:spcAft>
-                  <a:spcPct val="0"/>
-                </a:spcAft>
-                <a:defRPr>
-                  <a:solidFill>
-                    <a:schemeClr val="tx1"/>
-                  </a:solidFill>
-                  <a:latin typeface="Arial" panose="020B0604020202020204" pitchFamily="34" charset="0"/>
-                </a:defRPr>
-              </a:lvl9pPr>
-            </a:lstStyle>
+            <a:bodyPr/>
+            <a:lstStyle/>
             <a:p>
               <a:pPr defTabSz="685766">
                 <a:defRPr/>
               </a:pPr>
-              <a:r>
-                <a:rPr lang="en-US" altLang="en-US" sz="1500" b="1" kern="0" dirty="0"/>
-                <a:t>E</a:t>
-              </a:r>
+              <a:endParaRPr lang="en-US" sz="1350" kern="0">
+                <a:solidFill>
+                  <a:sysClr val="windowText" lastClr="000000"/>
+                </a:solidFill>
+              </a:endParaRPr>
             </a:p>
           </p:txBody>
         </p:sp>
+        <p:grpSp>
+          <p:nvGrpSpPr>
+            <p:cNvPr id="18" name="Group 17"/>
+            <p:cNvGrpSpPr/>
+            <p:nvPr/>
+          </p:nvGrpSpPr>
+          <p:grpSpPr>
+            <a:xfrm>
+              <a:off x="5358126" y="1775748"/>
+              <a:ext cx="1266825" cy="1013236"/>
+              <a:chOff x="6509239" y="1373310"/>
+              <a:chExt cx="1689100" cy="1350981"/>
+            </a:xfrm>
+          </p:grpSpPr>
+          <p:sp>
+            <p:nvSpPr>
+              <p:cNvPr id="7" name="Text Box 6"/>
+              <p:cNvSpPr txBox="1">
+                <a:spLocks noChangeArrowheads="1"/>
+              </p:cNvSpPr>
+              <p:nvPr/>
+            </p:nvSpPr>
+            <p:spPr bwMode="auto">
+              <a:xfrm>
+                <a:off x="6509239" y="1770184"/>
+                <a:ext cx="1689100" cy="954107"/>
+              </a:xfrm>
+              <a:prstGeom prst="rect">
+                <a:avLst/>
+              </a:prstGeom>
+              <a:noFill/>
+              <a:ln w="19050">
+                <a:solidFill>
+                  <a:schemeClr val="tx1"/>
+                </a:solidFill>
+                <a:miter lim="800000"/>
+                <a:headEnd/>
+                <a:tailEnd/>
+              </a:ln>
+              <a:effectLst/>
+            </p:spPr>
+            <p:txBody>
+              <a:bodyPr>
+                <a:spAutoFit/>
+              </a:bodyPr>
+              <a:lstStyle/>
+              <a:p>
+                <a:pPr algn="ctr" defTabSz="685766">
+                  <a:defRPr/>
+                </a:pPr>
+                <a:r>
+                  <a:rPr lang="en-US" sz="1350" kern="0">
+                    <a:solidFill>
+                      <a:sysClr val="windowText" lastClr="000000"/>
+                    </a:solidFill>
+                    <a:effectLst>
+                      <a:outerShdw blurRad="38100" dist="38100" dir="2700000" algn="tl">
+                        <a:srgbClr val="C0C0C0"/>
+                      </a:outerShdw>
+                    </a:effectLst>
+                  </a:rPr>
+                  <a:t>Insufficient Memory Allocation</a:t>
+                </a:r>
+              </a:p>
+            </p:txBody>
+          </p:sp>
+          <p:sp>
+            <p:nvSpPr>
+              <p:cNvPr id="17" name="Text Box 11"/>
+              <p:cNvSpPr txBox="1">
+                <a:spLocks noChangeArrowheads="1"/>
+              </p:cNvSpPr>
+              <p:nvPr/>
+            </p:nvSpPr>
+            <p:spPr bwMode="auto">
+              <a:xfrm>
+                <a:off x="7166343" y="1373310"/>
+                <a:ext cx="432171" cy="430887"/>
+              </a:xfrm>
+              <a:prstGeom prst="rect">
+                <a:avLst/>
+              </a:prstGeom>
+              <a:noFill/>
+              <a:ln>
+                <a:noFill/>
+              </a:ln>
+              <a:extLst>
+                <a:ext uri="{909E8E84-426E-40DD-AFC4-6F175D3DCCD1}">
+                  <a14:hiddenFill xmlns:a14="http://schemas.microsoft.com/office/drawing/2010/main">
+                    <a:solidFill>
+                      <a:srgbClr val="FFFFFF"/>
+                    </a:solidFill>
+                  </a14:hiddenFill>
+                </a:ext>
+                <a:ext uri="{91240B29-F687-4F45-9708-019B960494DF}">
+                  <a14:hiddenLine xmlns:a14="http://schemas.microsoft.com/office/drawing/2010/main" w="9525">
+                    <a:solidFill>
+                      <a:srgbClr val="000000"/>
+                    </a:solidFill>
+                    <a:miter lim="800000"/>
+                    <a:headEnd/>
+                    <a:tailEnd/>
+                  </a14:hiddenLine>
+                </a:ext>
+              </a:extLst>
+            </p:spPr>
+            <p:txBody>
+              <a:bodyPr wrap="none">
+                <a:spAutoFit/>
+              </a:bodyPr>
+              <a:lstStyle>
+                <a:lvl1pPr>
+                  <a:defRPr>
+                    <a:solidFill>
+                      <a:schemeClr val="tx1"/>
+                    </a:solidFill>
+                    <a:latin typeface="Arial" panose="020B0604020202020204" pitchFamily="34" charset="0"/>
+                  </a:defRPr>
+                </a:lvl1pPr>
+                <a:lvl2pPr marL="742950" indent="-285750">
+                  <a:defRPr>
+                    <a:solidFill>
+                      <a:schemeClr val="tx1"/>
+                    </a:solidFill>
+                    <a:latin typeface="Arial" panose="020B0604020202020204" pitchFamily="34" charset="0"/>
+                  </a:defRPr>
+                </a:lvl2pPr>
+                <a:lvl3pPr marL="1143000" indent="-228600">
+                  <a:defRPr>
+                    <a:solidFill>
+                      <a:schemeClr val="tx1"/>
+                    </a:solidFill>
+                    <a:latin typeface="Arial" panose="020B0604020202020204" pitchFamily="34" charset="0"/>
+                  </a:defRPr>
+                </a:lvl3pPr>
+                <a:lvl4pPr marL="1600200" indent="-228600">
+                  <a:defRPr>
+                    <a:solidFill>
+                      <a:schemeClr val="tx1"/>
+                    </a:solidFill>
+                    <a:latin typeface="Arial" panose="020B0604020202020204" pitchFamily="34" charset="0"/>
+                  </a:defRPr>
+                </a:lvl4pPr>
+                <a:lvl5pPr marL="2057400" indent="-228600">
+                  <a:defRPr>
+                    <a:solidFill>
+                      <a:schemeClr val="tx1"/>
+                    </a:solidFill>
+                    <a:latin typeface="Arial" panose="020B0604020202020204" pitchFamily="34" charset="0"/>
+                  </a:defRPr>
+                </a:lvl5pPr>
+                <a:lvl6pPr marL="2514600" indent="-228600" fontAlgn="base">
+                  <a:spcBef>
+                    <a:spcPct val="0"/>
+                  </a:spcBef>
+                  <a:spcAft>
+                    <a:spcPct val="0"/>
+                  </a:spcAft>
+                  <a:defRPr>
+                    <a:solidFill>
+                      <a:schemeClr val="tx1"/>
+                    </a:solidFill>
+                    <a:latin typeface="Arial" panose="020B0604020202020204" pitchFamily="34" charset="0"/>
+                  </a:defRPr>
+                </a:lvl6pPr>
+                <a:lvl7pPr marL="2971800" indent="-228600" fontAlgn="base">
+                  <a:spcBef>
+                    <a:spcPct val="0"/>
+                  </a:spcBef>
+                  <a:spcAft>
+                    <a:spcPct val="0"/>
+                  </a:spcAft>
+                  <a:defRPr>
+                    <a:solidFill>
+                      <a:schemeClr val="tx1"/>
+                    </a:solidFill>
+                    <a:latin typeface="Arial" panose="020B0604020202020204" pitchFamily="34" charset="0"/>
+                  </a:defRPr>
+                </a:lvl7pPr>
+                <a:lvl8pPr marL="3429000" indent="-228600" fontAlgn="base">
+                  <a:spcBef>
+                    <a:spcPct val="0"/>
+                  </a:spcBef>
+                  <a:spcAft>
+                    <a:spcPct val="0"/>
+                  </a:spcAft>
+                  <a:defRPr>
+                    <a:solidFill>
+                      <a:schemeClr val="tx1"/>
+                    </a:solidFill>
+                    <a:latin typeface="Arial" panose="020B0604020202020204" pitchFamily="34" charset="0"/>
+                  </a:defRPr>
+                </a:lvl8pPr>
+                <a:lvl9pPr marL="3886200" indent="-228600" fontAlgn="base">
+                  <a:spcBef>
+                    <a:spcPct val="0"/>
+                  </a:spcBef>
+                  <a:spcAft>
+                    <a:spcPct val="0"/>
+                  </a:spcAft>
+                  <a:defRPr>
+                    <a:solidFill>
+                      <a:schemeClr val="tx1"/>
+                    </a:solidFill>
+                    <a:latin typeface="Arial" panose="020B0604020202020204" pitchFamily="34" charset="0"/>
+                  </a:defRPr>
+                </a:lvl9pPr>
+              </a:lstStyle>
+              <a:p>
+                <a:pPr defTabSz="685766">
+                  <a:defRPr/>
+                </a:pPr>
+                <a:r>
+                  <a:rPr lang="en-US" altLang="en-US" sz="1500" b="1" kern="0" dirty="0"/>
+                  <a:t>C</a:t>
+                </a:r>
+              </a:p>
+            </p:txBody>
+          </p:sp>
+        </p:grpSp>
+        <p:grpSp>
+          <p:nvGrpSpPr>
+            <p:cNvPr id="20" name="Group 19"/>
+            <p:cNvGrpSpPr/>
+            <p:nvPr/>
+          </p:nvGrpSpPr>
+          <p:grpSpPr>
+            <a:xfrm>
+              <a:off x="5358126" y="2845184"/>
+              <a:ext cx="1266825" cy="1013236"/>
+              <a:chOff x="6509239" y="1373310"/>
+              <a:chExt cx="1689100" cy="1350981"/>
+            </a:xfrm>
+          </p:grpSpPr>
+          <p:sp>
+            <p:nvSpPr>
+              <p:cNvPr id="21" name="Text Box 6"/>
+              <p:cNvSpPr txBox="1">
+                <a:spLocks noChangeArrowheads="1"/>
+              </p:cNvSpPr>
+              <p:nvPr/>
+            </p:nvSpPr>
+            <p:spPr bwMode="auto">
+              <a:xfrm>
+                <a:off x="6509239" y="1770184"/>
+                <a:ext cx="1689100" cy="954107"/>
+              </a:xfrm>
+              <a:prstGeom prst="rect">
+                <a:avLst/>
+              </a:prstGeom>
+              <a:noFill/>
+              <a:ln w="19050">
+                <a:solidFill>
+                  <a:schemeClr val="tx1"/>
+                </a:solidFill>
+                <a:miter lim="800000"/>
+                <a:headEnd/>
+                <a:tailEnd/>
+              </a:ln>
+              <a:effectLst/>
+            </p:spPr>
+            <p:txBody>
+              <a:bodyPr>
+                <a:spAutoFit/>
+              </a:bodyPr>
+              <a:lstStyle/>
+              <a:p>
+                <a:pPr algn="ctr" defTabSz="685766">
+                  <a:defRPr/>
+                </a:pPr>
+                <a:r>
+                  <a:rPr lang="en-US" sz="1350" kern="0" dirty="0">
+                    <a:solidFill>
+                      <a:sysClr val="windowText" lastClr="000000"/>
+                    </a:solidFill>
+                    <a:effectLst>
+                      <a:outerShdw blurRad="38100" dist="38100" dir="2700000" algn="tl">
+                        <a:srgbClr val="C0C0C0"/>
+                      </a:outerShdw>
+                    </a:effectLst>
+                  </a:rPr>
+                  <a:t>Out-of-bounds</a:t>
+                </a:r>
+              </a:p>
+              <a:p>
+                <a:pPr algn="ctr" defTabSz="685766">
+                  <a:defRPr/>
+                </a:pPr>
+                <a:r>
+                  <a:rPr lang="en-US" sz="1350" kern="0" dirty="0">
+                    <a:solidFill>
+                      <a:sysClr val="windowText" lastClr="000000"/>
+                    </a:solidFill>
+                    <a:effectLst>
+                      <a:outerShdw blurRad="38100" dist="38100" dir="2700000" algn="tl">
+                        <a:srgbClr val="C0C0C0"/>
+                      </a:outerShdw>
+                    </a:effectLst>
+                  </a:rPr>
+                  <a:t>Read</a:t>
+                </a:r>
+              </a:p>
+            </p:txBody>
+          </p:sp>
+          <p:sp>
+            <p:nvSpPr>
+              <p:cNvPr id="22" name="Text Box 11"/>
+              <p:cNvSpPr txBox="1">
+                <a:spLocks noChangeArrowheads="1"/>
+              </p:cNvSpPr>
+              <p:nvPr/>
+            </p:nvSpPr>
+            <p:spPr bwMode="auto">
+              <a:xfrm>
+                <a:off x="7166343" y="1373310"/>
+                <a:ext cx="417208" cy="430887"/>
+              </a:xfrm>
+              <a:prstGeom prst="rect">
+                <a:avLst/>
+              </a:prstGeom>
+              <a:noFill/>
+              <a:ln>
+                <a:noFill/>
+              </a:ln>
+              <a:extLst>
+                <a:ext uri="{909E8E84-426E-40DD-AFC4-6F175D3DCCD1}">
+                  <a14:hiddenFill xmlns:a14="http://schemas.microsoft.com/office/drawing/2010/main">
+                    <a:solidFill>
+                      <a:srgbClr val="FFFFFF"/>
+                    </a:solidFill>
+                  </a14:hiddenFill>
+                </a:ext>
+                <a:ext uri="{91240B29-F687-4F45-9708-019B960494DF}">
+                  <a14:hiddenLine xmlns:a14="http://schemas.microsoft.com/office/drawing/2010/main" w="9525">
+                    <a:solidFill>
+                      <a:srgbClr val="000000"/>
+                    </a:solidFill>
+                    <a:miter lim="800000"/>
+                    <a:headEnd/>
+                    <a:tailEnd/>
+                  </a14:hiddenLine>
+                </a:ext>
+              </a:extLst>
+            </p:spPr>
+            <p:txBody>
+              <a:bodyPr wrap="none">
+                <a:spAutoFit/>
+              </a:bodyPr>
+              <a:lstStyle>
+                <a:lvl1pPr>
+                  <a:defRPr>
+                    <a:solidFill>
+                      <a:schemeClr val="tx1"/>
+                    </a:solidFill>
+                    <a:latin typeface="Arial" panose="020B0604020202020204" pitchFamily="34" charset="0"/>
+                  </a:defRPr>
+                </a:lvl1pPr>
+                <a:lvl2pPr marL="742950" indent="-285750">
+                  <a:defRPr>
+                    <a:solidFill>
+                      <a:schemeClr val="tx1"/>
+                    </a:solidFill>
+                    <a:latin typeface="Arial" panose="020B0604020202020204" pitchFamily="34" charset="0"/>
+                  </a:defRPr>
+                </a:lvl2pPr>
+                <a:lvl3pPr marL="1143000" indent="-228600">
+                  <a:defRPr>
+                    <a:solidFill>
+                      <a:schemeClr val="tx1"/>
+                    </a:solidFill>
+                    <a:latin typeface="Arial" panose="020B0604020202020204" pitchFamily="34" charset="0"/>
+                  </a:defRPr>
+                </a:lvl3pPr>
+                <a:lvl4pPr marL="1600200" indent="-228600">
+                  <a:defRPr>
+                    <a:solidFill>
+                      <a:schemeClr val="tx1"/>
+                    </a:solidFill>
+                    <a:latin typeface="Arial" panose="020B0604020202020204" pitchFamily="34" charset="0"/>
+                  </a:defRPr>
+                </a:lvl4pPr>
+                <a:lvl5pPr marL="2057400" indent="-228600">
+                  <a:defRPr>
+                    <a:solidFill>
+                      <a:schemeClr val="tx1"/>
+                    </a:solidFill>
+                    <a:latin typeface="Arial" panose="020B0604020202020204" pitchFamily="34" charset="0"/>
+                  </a:defRPr>
+                </a:lvl5pPr>
+                <a:lvl6pPr marL="2514600" indent="-228600" fontAlgn="base">
+                  <a:spcBef>
+                    <a:spcPct val="0"/>
+                  </a:spcBef>
+                  <a:spcAft>
+                    <a:spcPct val="0"/>
+                  </a:spcAft>
+                  <a:defRPr>
+                    <a:solidFill>
+                      <a:schemeClr val="tx1"/>
+                    </a:solidFill>
+                    <a:latin typeface="Arial" panose="020B0604020202020204" pitchFamily="34" charset="0"/>
+                  </a:defRPr>
+                </a:lvl6pPr>
+                <a:lvl7pPr marL="2971800" indent="-228600" fontAlgn="base">
+                  <a:spcBef>
+                    <a:spcPct val="0"/>
+                  </a:spcBef>
+                  <a:spcAft>
+                    <a:spcPct val="0"/>
+                  </a:spcAft>
+                  <a:defRPr>
+                    <a:solidFill>
+                      <a:schemeClr val="tx1"/>
+                    </a:solidFill>
+                    <a:latin typeface="Arial" panose="020B0604020202020204" pitchFamily="34" charset="0"/>
+                  </a:defRPr>
+                </a:lvl7pPr>
+                <a:lvl8pPr marL="3429000" indent="-228600" fontAlgn="base">
+                  <a:spcBef>
+                    <a:spcPct val="0"/>
+                  </a:spcBef>
+                  <a:spcAft>
+                    <a:spcPct val="0"/>
+                  </a:spcAft>
+                  <a:defRPr>
+                    <a:solidFill>
+                      <a:schemeClr val="tx1"/>
+                    </a:solidFill>
+                    <a:latin typeface="Arial" panose="020B0604020202020204" pitchFamily="34" charset="0"/>
+                  </a:defRPr>
+                </a:lvl8pPr>
+                <a:lvl9pPr marL="3886200" indent="-228600" fontAlgn="base">
+                  <a:spcBef>
+                    <a:spcPct val="0"/>
+                  </a:spcBef>
+                  <a:spcAft>
+                    <a:spcPct val="0"/>
+                  </a:spcAft>
+                  <a:defRPr>
+                    <a:solidFill>
+                      <a:schemeClr val="tx1"/>
+                    </a:solidFill>
+                    <a:latin typeface="Arial" panose="020B0604020202020204" pitchFamily="34" charset="0"/>
+                  </a:defRPr>
+                </a:lvl9pPr>
+              </a:lstStyle>
+              <a:p>
+                <a:pPr defTabSz="685766">
+                  <a:defRPr/>
+                </a:pPr>
+                <a:r>
+                  <a:rPr lang="en-US" altLang="en-US" sz="1500" b="1" kern="0" dirty="0"/>
+                  <a:t>E</a:t>
+                </a:r>
+              </a:p>
+            </p:txBody>
+          </p:sp>
+        </p:grpSp>
+        <p:cxnSp>
+          <p:nvCxnSpPr>
+            <p:cNvPr id="24" name="Connector: Elbow 23"/>
+            <p:cNvCxnSpPr>
+              <a:stCxn id="4" idx="3"/>
+              <a:endCxn id="21" idx="1"/>
+            </p:cNvCxnSpPr>
+            <p:nvPr/>
+          </p:nvCxnSpPr>
+          <p:spPr>
+            <a:xfrm>
+              <a:off x="4911844" y="2887151"/>
+              <a:ext cx="446282" cy="613479"/>
+            </a:xfrm>
+            <a:prstGeom prst="bentConnector3">
+              <a:avLst/>
+            </a:prstGeom>
+            <a:ln w="41275">
+              <a:solidFill>
+                <a:schemeClr val="tx1"/>
+              </a:solidFill>
+              <a:tailEnd type="triangle"/>
+            </a:ln>
+          </p:spPr>
+          <p:style>
+            <a:lnRef idx="1">
+              <a:schemeClr val="accent1"/>
+            </a:lnRef>
+            <a:fillRef idx="0">
+              <a:schemeClr val="accent1"/>
+            </a:fillRef>
+            <a:effectRef idx="0">
+              <a:schemeClr val="accent1"/>
+            </a:effectRef>
+            <a:fontRef idx="minor">
+              <a:schemeClr val="tx1"/>
+            </a:fontRef>
+          </p:style>
+        </p:cxnSp>
+        <p:cxnSp>
+          <p:nvCxnSpPr>
+            <p:cNvPr id="26" name="Connector: Elbow 25"/>
+            <p:cNvCxnSpPr>
+              <a:stCxn id="4" idx="3"/>
+              <a:endCxn id="7" idx="1"/>
+            </p:cNvCxnSpPr>
+            <p:nvPr/>
+          </p:nvCxnSpPr>
+          <p:spPr>
+            <a:xfrm flipV="1">
+              <a:off x="4911844" y="2431194"/>
+              <a:ext cx="446282" cy="455957"/>
+            </a:xfrm>
+            <a:prstGeom prst="bentConnector3">
+              <a:avLst/>
+            </a:prstGeom>
+            <a:ln w="41275">
+              <a:solidFill>
+                <a:schemeClr val="tx1"/>
+              </a:solidFill>
+              <a:tailEnd type="triangle"/>
+            </a:ln>
+          </p:spPr>
+          <p:style>
+            <a:lnRef idx="1">
+              <a:schemeClr val="accent1"/>
+            </a:lnRef>
+            <a:fillRef idx="0">
+              <a:schemeClr val="accent1"/>
+            </a:fillRef>
+            <a:effectRef idx="0">
+              <a:schemeClr val="accent1"/>
+            </a:effectRef>
+            <a:fontRef idx="minor">
+              <a:schemeClr val="tx1"/>
+            </a:fontRef>
+          </p:style>
+        </p:cxnSp>
       </p:grpSp>
-      <p:cxnSp>
-        <p:nvCxnSpPr>
-          <p:cNvPr id="24" name="Connector: Elbow 23"/>
-          <p:cNvCxnSpPr>
-            <a:stCxn id="4" idx="3"/>
-            <a:endCxn id="21" idx="1"/>
-          </p:cNvCxnSpPr>
-          <p:nvPr/>
-        </p:nvCxnSpPr>
-        <p:spPr>
-          <a:xfrm>
-            <a:off x="4911844" y="2887151"/>
-            <a:ext cx="446282" cy="613479"/>
-          </a:xfrm>
-          <a:prstGeom prst="bentConnector3">
-            <a:avLst/>
-          </a:prstGeom>
-          <a:ln w="41275">
-            <a:solidFill>
-              <a:schemeClr val="tx1"/>
-            </a:solidFill>
-            <a:tailEnd type="triangle"/>
-          </a:ln>
-        </p:spPr>
-        <p:style>
-          <a:lnRef idx="1">
-            <a:schemeClr val="accent1"/>
-          </a:lnRef>
-          <a:fillRef idx="0">
-            <a:schemeClr val="accent1"/>
-          </a:fillRef>
-          <a:effectRef idx="0">
-            <a:schemeClr val="accent1"/>
-          </a:effectRef>
-          <a:fontRef idx="minor">
-            <a:schemeClr val="tx1"/>
-          </a:fontRef>
-        </p:style>
-      </p:cxnSp>
-      <p:cxnSp>
-        <p:nvCxnSpPr>
-          <p:cNvPr id="26" name="Connector: Elbow 25"/>
-          <p:cNvCxnSpPr>
-            <a:stCxn id="4" idx="3"/>
-            <a:endCxn id="7" idx="1"/>
-          </p:cNvCxnSpPr>
-          <p:nvPr/>
-        </p:nvCxnSpPr>
-        <p:spPr>
-          <a:xfrm flipV="1">
-            <a:off x="4911844" y="2431194"/>
-            <a:ext cx="446282" cy="455957"/>
-          </a:xfrm>
-          <a:prstGeom prst="bentConnector3">
-            <a:avLst/>
-          </a:prstGeom>
-          <a:ln w="41275">
-            <a:solidFill>
-              <a:schemeClr val="tx1"/>
-            </a:solidFill>
-            <a:tailEnd type="triangle"/>
-          </a:ln>
-        </p:spPr>
-        <p:style>
-          <a:lnRef idx="1">
-            <a:schemeClr val="accent1"/>
-          </a:lnRef>
-          <a:fillRef idx="0">
-            <a:schemeClr val="accent1"/>
-          </a:fillRef>
-          <a:effectRef idx="0">
-            <a:schemeClr val="accent1"/>
-          </a:effectRef>
-          <a:fontRef idx="minor">
-            <a:schemeClr val="tx1"/>
-          </a:fontRef>
-        </p:style>
-      </p:cxnSp>
     </p:spTree>
     <p:extLst>
       <p:ext uri="{BB962C8B-B14F-4D97-AF65-F5344CB8AC3E}">
@@ -29244,7 +29610,7 @@
         </p:nvGrpSpPr>
         <p:grpSpPr>
           <a:xfrm>
-            <a:off x="1199851" y="1958575"/>
+            <a:off x="1447501" y="1958575"/>
             <a:ext cx="6767907" cy="1470425"/>
             <a:chOff x="680215" y="1892820"/>
             <a:chExt cx="6767907" cy="1470425"/>
@@ -33106,15 +33472,6 @@
 </file>
 
 <file path=customXml/item1.xml><?xml version="1.0" encoding="utf-8"?>
-<?mso-contentType ?>
-<FormTemplates xmlns="http://schemas.microsoft.com/sharepoint/v3/contenttype/forms">
-  <Display>DocumentLibraryForm</Display>
-  <Edit>DocumentLibraryForm</Edit>
-  <New>DocumentLibraryForm</New>
-</FormTemplates>
-</file>
-
-<file path=customXml/item2.xml><?xml version="1.0" encoding="utf-8"?>
 <p:properties xmlns:p="http://schemas.microsoft.com/office/2006/metadata/properties" xmlns:xsi="http://www.w3.org/2001/XMLSchema-instance" xmlns:pc="http://schemas.microsoft.com/office/infopath/2007/PartnerControls">
   <documentManagement>
     <MITRE_x0020_Sensitivity xmlns="http://schemas.microsoft.com/sharepoint/v3">Internal MITRE Information</MITRE_x0020_Sensitivity>
@@ -33122,6 +33479,16 @@
     <Release_x0020_Statement xmlns="http://schemas.microsoft.com/sharepoint/v3">For Internal MITRE Use</Release_x0020_Statement>
   </documentManagement>
 </p:properties>
+</file>
+
+<file path=customXml/item2.xml><?xml version="1.0" encoding="utf-8"?>
+<?mso-contentType ?>
+<customXsn xmlns="http://schemas.microsoft.com/office/2006/metadata/customXsn">
+  <xsnLocation/>
+  <cached>True</cached>
+  <openByDefault>True</openByDefault>
+  <xsnScope/>
+</customXsn>
 </file>
 
 <file path=customXml/item3.xml><?xml version="1.0" encoding="utf-8"?>
@@ -33315,36 +33682,35 @@
 
 <file path=customXml/item4.xml><?xml version="1.0" encoding="utf-8"?>
 <?mso-contentType ?>
-<customXsn xmlns="http://schemas.microsoft.com/office/2006/metadata/customXsn">
-  <xsnLocation/>
-  <cached>True</cached>
-  <openByDefault>True</openByDefault>
-  <xsnScope/>
-</customXsn>
+<FormTemplates xmlns="http://schemas.microsoft.com/sharepoint/v3/contenttype/forms">
+  <Display>DocumentLibraryForm</Display>
+  <Edit>DocumentLibraryForm</Edit>
+  <New>DocumentLibraryForm</New>
+</FormTemplates>
 </file>
 
 <file path=customXml/itemProps1.xml><?xml version="1.0" encoding="utf-8"?>
-<ds:datastoreItem xmlns:ds="http://schemas.openxmlformats.org/officeDocument/2006/customXml" ds:itemID="{7B6B16B2-404F-4040-9CA3-AFE4C0590207}">
+<ds:datastoreItem xmlns:ds="http://schemas.openxmlformats.org/officeDocument/2006/customXml" ds:itemID="{760E1BCA-B7C8-4D5D-A2B9-87067345F3DD}">
   <ds:schemaRefs>
-    <ds:schemaRef ds:uri="http://schemas.microsoft.com/sharepoint/v3/contenttype/forms"/>
+    <ds:schemaRef ds:uri="http://schemas.microsoft.com/sharepoint/v3/fields"/>
+    <ds:schemaRef ds:uri="http://schemas.openxmlformats.org/package/2006/metadata/core-properties"/>
+    <ds:schemaRef ds:uri="http://purl.org/dc/terms/"/>
+    <ds:schemaRef ds:uri="http://schemas.microsoft.com/office/2006/documentManagement/types"/>
+    <ds:schemaRef ds:uri="http://schemas.microsoft.com/office/2006/metadata/properties"/>
+    <ds:schemaRef ds:uri="http://schemas.microsoft.com/office/infopath/2007/PartnerControls"/>
+    <ds:schemaRef ds:uri="http://schemas.microsoft.com/sharepoint/v3"/>
+    <ds:schemaRef ds:uri="http://purl.org/dc/elements/1.1/"/>
+    <ds:schemaRef ds:uri="c3cfd81e-ca69-4211-966f-1b3244494c2d"/>
+    <ds:schemaRef ds:uri="http://www.w3.org/XML/1998/namespace"/>
+    <ds:schemaRef ds:uri="http://purl.org/dc/dcmitype/"/>
   </ds:schemaRefs>
 </ds:datastoreItem>
 </file>
 
 <file path=customXml/itemProps2.xml><?xml version="1.0" encoding="utf-8"?>
-<ds:datastoreItem xmlns:ds="http://schemas.openxmlformats.org/officeDocument/2006/customXml" ds:itemID="{760E1BCA-B7C8-4D5D-A2B9-87067345F3DD}">
+<ds:datastoreItem xmlns:ds="http://schemas.openxmlformats.org/officeDocument/2006/customXml" ds:itemID="{DA4BE8BC-21DD-494E-8FAB-B2E9DD91F2E2}">
   <ds:schemaRefs>
-    <ds:schemaRef ds:uri="http://purl.org/dc/terms/"/>
-    <ds:schemaRef ds:uri="http://schemas.openxmlformats.org/package/2006/metadata/core-properties"/>
-    <ds:schemaRef ds:uri="http://schemas.microsoft.com/office/2006/documentManagement/types"/>
-    <ds:schemaRef ds:uri="http://schemas.microsoft.com/office/infopath/2007/PartnerControls"/>
-    <ds:schemaRef ds:uri="c3cfd81e-ca69-4211-966f-1b3244494c2d"/>
-    <ds:schemaRef ds:uri="http://purl.org/dc/elements/1.1/"/>
-    <ds:schemaRef ds:uri="http://schemas.microsoft.com/office/2006/metadata/properties"/>
-    <ds:schemaRef ds:uri="http://schemas.microsoft.com/sharepoint/v3"/>
-    <ds:schemaRef ds:uri="http://schemas.microsoft.com/sharepoint/v3/fields"/>
-    <ds:schemaRef ds:uri="http://www.w3.org/XML/1998/namespace"/>
-    <ds:schemaRef ds:uri="http://purl.org/dc/dcmitype/"/>
+    <ds:schemaRef ds:uri="http://schemas.microsoft.com/office/2006/metadata/customXsn"/>
   </ds:schemaRefs>
 </ds:datastoreItem>
 </file>
@@ -33370,9 +33736,9 @@
 </file>
 
 <file path=customXml/itemProps4.xml><?xml version="1.0" encoding="utf-8"?>
-<ds:datastoreItem xmlns:ds="http://schemas.openxmlformats.org/officeDocument/2006/customXml" ds:itemID="{DA4BE8BC-21DD-494E-8FAB-B2E9DD91F2E2}">
+<ds:datastoreItem xmlns:ds="http://schemas.openxmlformats.org/officeDocument/2006/customXml" ds:itemID="{7B6B16B2-404F-4040-9CA3-AFE4C0590207}">
   <ds:schemaRefs>
-    <ds:schemaRef ds:uri="http://schemas.microsoft.com/office/2006/metadata/customXsn"/>
+    <ds:schemaRef ds:uri="http://schemas.microsoft.com/sharepoint/v3/contenttype/forms"/>
   </ds:schemaRefs>
 </ds:datastoreItem>
 </file>
--- a/docs/cna/CVE_Counting_Rules_Training.pptx
+++ b/docs/cna/CVE_Counting_Rules_Training.pptx
@@ -212,7 +212,7 @@
   <pc:docChgLst>
     <pc:chgData name="Robert Roberge" userId="7d3ba1ecd22967b8" providerId="LiveId" clId="{797DF943-3F37-478D-A279-4F3F1C9155ED}"/>
     <pc:docChg chg="undo modSld">
-      <pc:chgData name="Robert Roberge" userId="7d3ba1ecd22967b8" providerId="LiveId" clId="{797DF943-3F37-478D-A279-4F3F1C9155ED}" dt="2019-02-14T18:02:51.297" v="41" actId="1076"/>
+      <pc:chgData name="Robert Roberge" userId="7d3ba1ecd22967b8" providerId="LiveId" clId="{797DF943-3F37-478D-A279-4F3F1C9155ED}" dt="2019-02-14T23:18:25.684" v="42" actId="20577"/>
       <pc:docMkLst>
         <pc:docMk/>
       </pc:docMkLst>
@@ -521,6 +521,21 @@
             <pc:docMk/>
             <pc:sldMk cId="2919158606" sldId="305"/>
             <ac:spMk id="5" creationId="{373FFE50-4475-4C4A-B0D4-8E57F54F97CE}"/>
+          </ac:spMkLst>
+        </pc:spChg>
+      </pc:sldChg>
+      <pc:sldChg chg="modSp">
+        <pc:chgData name="Robert Roberge" userId="7d3ba1ecd22967b8" providerId="LiveId" clId="{797DF943-3F37-478D-A279-4F3F1C9155ED}" dt="2019-02-14T23:18:25.684" v="42" actId="20577"/>
+        <pc:sldMkLst>
+          <pc:docMk/>
+          <pc:sldMk cId="2170744528" sldId="310"/>
+        </pc:sldMkLst>
+        <pc:spChg chg="mod">
+          <ac:chgData name="Robert Roberge" userId="7d3ba1ecd22967b8" providerId="LiveId" clId="{797DF943-3F37-478D-A279-4F3F1C9155ED}" dt="2019-02-14T23:18:25.684" v="42" actId="20577"/>
+          <ac:spMkLst>
+            <pc:docMk/>
+            <pc:sldMk cId="2170744528" sldId="310"/>
+            <ac:spMk id="2" creationId="{0B8690E9-331F-4761-A165-A19FC84938F4}"/>
           </ac:spMkLst>
         </pc:spChg>
       </pc:sldChg>
@@ -15447,8 +15462,12 @@
           <a:lstStyle/>
           <a:p>
             <a:r>
+              <a:rPr lang="en-US"/>
+              <a:t>CNT1: </a:t>
+            </a:r>
+            <a:r>
               <a:rPr lang="en-US" dirty="0"/>
-              <a:t>CNT1 Example 1 (continued)</a:t>
+              <a:t>Example 1 (continued)</a:t>
             </a:r>
           </a:p>
         </p:txBody>
@@ -33472,16 +33491,6 @@
 </file>
 
 <file path=customXml/item1.xml><?xml version="1.0" encoding="utf-8"?>
-<p:properties xmlns:p="http://schemas.microsoft.com/office/2006/metadata/properties" xmlns:xsi="http://www.w3.org/2001/XMLSchema-instance" xmlns:pc="http://schemas.microsoft.com/office/infopath/2007/PartnerControls">
-  <documentManagement>
-    <MITRE_x0020_Sensitivity xmlns="http://schemas.microsoft.com/sharepoint/v3">Internal MITRE Information</MITRE_x0020_Sensitivity>
-    <_Contributor xmlns="http://schemas.microsoft.com/sharepoint/v3/fields" xsi:nil="true"/>
-    <Release_x0020_Statement xmlns="http://schemas.microsoft.com/sharepoint/v3">For Internal MITRE Use</Release_x0020_Statement>
-  </documentManagement>
-</p:properties>
-</file>
-
-<file path=customXml/item2.xml><?xml version="1.0" encoding="utf-8"?>
 <?mso-contentType ?>
 <customXsn xmlns="http://schemas.microsoft.com/office/2006/metadata/customXsn">
   <xsnLocation/>
@@ -33491,7 +33500,7 @@
 </customXsn>
 </file>
 
-<file path=customXml/item3.xml><?xml version="1.0" encoding="utf-8"?>
+<file path=customXml/item2.xml><?xml version="1.0" encoding="utf-8"?>
 <ct:contentTypeSchema xmlns:ct="http://schemas.microsoft.com/office/2006/metadata/contentType" xmlns:ma="http://schemas.microsoft.com/office/2006/metadata/properties/metaAttributes" ct:_="" ma:_="" ma:contentTypeName="MITRE Work" ma:contentTypeID="0x010100823A99C636F7423283FB0D200866C61300046EF137D886814EA48E9F4D2AC65CA0" ma:contentTypeVersion="4" ma:contentTypeDescription="Materials and documents that contain MITRE authored content and other content directly attributable to MITRE and its work" ma:contentTypeScope="" ma:versionID="9e7c9f56b2734f566fdb5204fe796dc0">
   <xsd:schema xmlns:xsd="http://www.w3.org/2001/XMLSchema" xmlns:xs="http://www.w3.org/2001/XMLSchema" xmlns:p="http://schemas.microsoft.com/office/2006/metadata/properties" xmlns:ns1="http://schemas.microsoft.com/sharepoint/v3" xmlns:ns2="http://schemas.microsoft.com/sharepoint/v3/fields" xmlns:ns3="c3cfd81e-ca69-4211-966f-1b3244494c2d" targetNamespace="http://schemas.microsoft.com/office/2006/metadata/properties" ma:root="true" ma:fieldsID="2502f5ea607b95f7d2307a10387476b6" ns1:_="" ns2:_="" ns3:_="">
     <xsd:import namespace="http://schemas.microsoft.com/sharepoint/v3"/>
@@ -33680,6 +33689,16 @@
 </ct:contentTypeSchema>
 </file>
 
+<file path=customXml/item3.xml><?xml version="1.0" encoding="utf-8"?>
+<p:properties xmlns:p="http://schemas.microsoft.com/office/2006/metadata/properties" xmlns:xsi="http://www.w3.org/2001/XMLSchema-instance" xmlns:pc="http://schemas.microsoft.com/office/infopath/2007/PartnerControls">
+  <documentManagement>
+    <MITRE_x0020_Sensitivity xmlns="http://schemas.microsoft.com/sharepoint/v3">Internal MITRE Information</MITRE_x0020_Sensitivity>
+    <_Contributor xmlns="http://schemas.microsoft.com/sharepoint/v3/fields" xsi:nil="true"/>
+    <Release_x0020_Statement xmlns="http://schemas.microsoft.com/sharepoint/v3">For Internal MITRE Use</Release_x0020_Statement>
+  </documentManagement>
+</p:properties>
+</file>
+
 <file path=customXml/item4.xml><?xml version="1.0" encoding="utf-8"?>
 <?mso-contentType ?>
 <FormTemplates xmlns="http://schemas.microsoft.com/sharepoint/v3/contenttype/forms">
@@ -33690,24 +33709,6 @@
 </file>
 
 <file path=customXml/itemProps1.xml><?xml version="1.0" encoding="utf-8"?>
-<ds:datastoreItem xmlns:ds="http://schemas.openxmlformats.org/officeDocument/2006/customXml" ds:itemID="{760E1BCA-B7C8-4D5D-A2B9-87067345F3DD}">
-  <ds:schemaRefs>
-    <ds:schemaRef ds:uri="http://schemas.microsoft.com/sharepoint/v3/fields"/>
-    <ds:schemaRef ds:uri="http://schemas.openxmlformats.org/package/2006/metadata/core-properties"/>
-    <ds:schemaRef ds:uri="http://purl.org/dc/terms/"/>
-    <ds:schemaRef ds:uri="http://schemas.microsoft.com/office/2006/documentManagement/types"/>
-    <ds:schemaRef ds:uri="http://schemas.microsoft.com/office/2006/metadata/properties"/>
-    <ds:schemaRef ds:uri="http://schemas.microsoft.com/office/infopath/2007/PartnerControls"/>
-    <ds:schemaRef ds:uri="http://schemas.microsoft.com/sharepoint/v3"/>
-    <ds:schemaRef ds:uri="http://purl.org/dc/elements/1.1/"/>
-    <ds:schemaRef ds:uri="c3cfd81e-ca69-4211-966f-1b3244494c2d"/>
-    <ds:schemaRef ds:uri="http://www.w3.org/XML/1998/namespace"/>
-    <ds:schemaRef ds:uri="http://purl.org/dc/dcmitype/"/>
-  </ds:schemaRefs>
-</ds:datastoreItem>
-</file>
-
-<file path=customXml/itemProps2.xml><?xml version="1.0" encoding="utf-8"?>
 <ds:datastoreItem xmlns:ds="http://schemas.openxmlformats.org/officeDocument/2006/customXml" ds:itemID="{DA4BE8BC-21DD-494E-8FAB-B2E9DD91F2E2}">
   <ds:schemaRefs>
     <ds:schemaRef ds:uri="http://schemas.microsoft.com/office/2006/metadata/customXsn"/>
@@ -33715,7 +33716,7 @@
 </ds:datastoreItem>
 </file>
 
-<file path=customXml/itemProps3.xml><?xml version="1.0" encoding="utf-8"?>
+<file path=customXml/itemProps2.xml><?xml version="1.0" encoding="utf-8"?>
 <ds:datastoreItem xmlns:ds="http://schemas.openxmlformats.org/officeDocument/2006/customXml" ds:itemID="{A65AD2E1-D25C-4989-A7E5-178B1A4BDC51}">
   <ds:schemaRefs>
     <ds:schemaRef ds:uri="http://schemas.microsoft.com/office/2006/metadata/contentType"/>
@@ -33735,6 +33736,17 @@
 </ds:datastoreItem>
 </file>
 
+<file path=customXml/itemProps3.xml><?xml version="1.0" encoding="utf-8"?>
+<ds:datastoreItem xmlns:ds="http://schemas.openxmlformats.org/officeDocument/2006/customXml" ds:itemID="{760E1BCA-B7C8-4D5D-A2B9-87067345F3DD}">
+  <ds:schemaRefs>
+    <ds:schemaRef ds:uri="http://schemas.microsoft.com/office/2006/metadata/properties"/>
+    <ds:schemaRef ds:uri="http://schemas.microsoft.com/office/infopath/2007/PartnerControls"/>
+    <ds:schemaRef ds:uri="http://schemas.microsoft.com/sharepoint/v3"/>
+    <ds:schemaRef ds:uri="http://schemas.microsoft.com/sharepoint/v3/fields"/>
+  </ds:schemaRefs>
+</ds:datastoreItem>
+</file>
+
 <file path=customXml/itemProps4.xml><?xml version="1.0" encoding="utf-8"?>
 <ds:datastoreItem xmlns:ds="http://schemas.openxmlformats.org/officeDocument/2006/customXml" ds:itemID="{7B6B16B2-404F-4040-9CA3-AFE4C0590207}">
   <ds:schemaRefs>
